--- a/documents/JSM_2021/4min_version.pptx
+++ b/documents/JSM_2021/4min_version.pptx
@@ -264,7 +264,7 @@
           <a:p>
             <a:fld id="{1FD15BE6-D28F-4CB9-886B-8E7E78239579}" type="datetimeFigureOut">
               <a:rPr lang="en-US" smtClean="0"/>
-              <a:t>6/13/2021</a:t>
+              <a:t>6/14/2021</a:t>
             </a:fld>
             <a:endParaRPr lang="en-US"/>
           </a:p>
@@ -462,7 +462,7 @@
           <a:p>
             <a:fld id="{1FD15BE6-D28F-4CB9-886B-8E7E78239579}" type="datetimeFigureOut">
               <a:rPr lang="en-US" smtClean="0"/>
-              <a:t>6/13/2021</a:t>
+              <a:t>6/14/2021</a:t>
             </a:fld>
             <a:endParaRPr lang="en-US"/>
           </a:p>
@@ -670,7 +670,7 @@
           <a:p>
             <a:fld id="{1FD15BE6-D28F-4CB9-886B-8E7E78239579}" type="datetimeFigureOut">
               <a:rPr lang="en-US" smtClean="0"/>
-              <a:t>6/13/2021</a:t>
+              <a:t>6/14/2021</a:t>
             </a:fld>
             <a:endParaRPr lang="en-US"/>
           </a:p>
@@ -868,7 +868,7 @@
           <a:p>
             <a:fld id="{1FD15BE6-D28F-4CB9-886B-8E7E78239579}" type="datetimeFigureOut">
               <a:rPr lang="en-US" smtClean="0"/>
-              <a:t>6/13/2021</a:t>
+              <a:t>6/14/2021</a:t>
             </a:fld>
             <a:endParaRPr lang="en-US"/>
           </a:p>
@@ -1143,7 +1143,7 @@
           <a:p>
             <a:fld id="{1FD15BE6-D28F-4CB9-886B-8E7E78239579}" type="datetimeFigureOut">
               <a:rPr lang="en-US" smtClean="0"/>
-              <a:t>6/13/2021</a:t>
+              <a:t>6/14/2021</a:t>
             </a:fld>
             <a:endParaRPr lang="en-US"/>
           </a:p>
@@ -1408,7 +1408,7 @@
           <a:p>
             <a:fld id="{1FD15BE6-D28F-4CB9-886B-8E7E78239579}" type="datetimeFigureOut">
               <a:rPr lang="en-US" smtClean="0"/>
-              <a:t>6/13/2021</a:t>
+              <a:t>6/14/2021</a:t>
             </a:fld>
             <a:endParaRPr lang="en-US"/>
           </a:p>
@@ -1820,7 +1820,7 @@
           <a:p>
             <a:fld id="{1FD15BE6-D28F-4CB9-886B-8E7E78239579}" type="datetimeFigureOut">
               <a:rPr lang="en-US" smtClean="0"/>
-              <a:t>6/13/2021</a:t>
+              <a:t>6/14/2021</a:t>
             </a:fld>
             <a:endParaRPr lang="en-US"/>
           </a:p>
@@ -1961,7 +1961,7 @@
           <a:p>
             <a:fld id="{1FD15BE6-D28F-4CB9-886B-8E7E78239579}" type="datetimeFigureOut">
               <a:rPr lang="en-US" smtClean="0"/>
-              <a:t>6/13/2021</a:t>
+              <a:t>6/14/2021</a:t>
             </a:fld>
             <a:endParaRPr lang="en-US"/>
           </a:p>
@@ -2074,7 +2074,7 @@
           <a:p>
             <a:fld id="{1FD15BE6-D28F-4CB9-886B-8E7E78239579}" type="datetimeFigureOut">
               <a:rPr lang="en-US" smtClean="0"/>
-              <a:t>6/13/2021</a:t>
+              <a:t>6/14/2021</a:t>
             </a:fld>
             <a:endParaRPr lang="en-US"/>
           </a:p>
@@ -2385,7 +2385,7 @@
           <a:p>
             <a:fld id="{1FD15BE6-D28F-4CB9-886B-8E7E78239579}" type="datetimeFigureOut">
               <a:rPr lang="en-US" smtClean="0"/>
-              <a:t>6/13/2021</a:t>
+              <a:t>6/14/2021</a:t>
             </a:fld>
             <a:endParaRPr lang="en-US"/>
           </a:p>
@@ -2673,7 +2673,7 @@
           <a:p>
             <a:fld id="{1FD15BE6-D28F-4CB9-886B-8E7E78239579}" type="datetimeFigureOut">
               <a:rPr lang="en-US" smtClean="0"/>
-              <a:t>6/13/2021</a:t>
+              <a:t>6/14/2021</a:t>
             </a:fld>
             <a:endParaRPr lang="en-US"/>
           </a:p>
@@ -2914,7 +2914,7 @@
           <a:p>
             <a:fld id="{1FD15BE6-D28F-4CB9-886B-8E7E78239579}" type="datetimeFigureOut">
               <a:rPr lang="en-US" smtClean="0"/>
-              <a:t>6/13/2021</a:t>
+              <a:t>6/14/2021</a:t>
             </a:fld>
             <a:endParaRPr lang="en-US"/>
           </a:p>
@@ -3377,20 +3377,256 @@
             <p:ph type="subTitle" idx="1"/>
           </p:nvPr>
         </p:nvSpPr>
-        <p:spPr/>
+        <p:spPr>
+          <a:xfrm>
+            <a:off x="2250490" y="3602038"/>
+            <a:ext cx="3376474" cy="1655762"/>
+          </a:xfrm>
+        </p:spPr>
         <p:txBody>
-          <a:bodyPr/>
+          <a:bodyPr>
+            <a:normAutofit/>
+          </a:bodyPr>
           <a:lstStyle/>
           <a:p>
             <a:r>
-              <a:rPr lang="en-US" dirty="0"/>
-              <a:t>Ganchao Wei &amp; Ian H. Stevenson</a:t>
-            </a:r>
-          </a:p>
-          <a:p>
-            <a:r>
-              <a:rPr lang="en-US" dirty="0"/>
+              <a:rPr lang="en-US" b="1" dirty="0"/>
+              <a:t>Ganchao Wei</a:t>
+            </a:r>
+          </a:p>
+          <a:p>
+            <a:r>
+              <a:rPr lang="en-US" sz="2000" dirty="0"/>
+              <a:t>Department of Statistics </a:t>
+            </a:r>
+          </a:p>
+          <a:p>
+            <a:r>
+              <a:rPr lang="en-US" sz="2000" dirty="0"/>
               <a:t>University of Connecticut</a:t>
+            </a:r>
+          </a:p>
+          <a:p>
+            <a:r>
+              <a:rPr lang="en-US" sz="2000" dirty="0"/>
+              <a:t>ganchao.wei@uconn.edu</a:t>
+            </a:r>
+          </a:p>
+        </p:txBody>
+      </p:sp>
+      <p:sp>
+        <p:nvSpPr>
+          <p:cNvPr id="4" name="Subtitle 2">
+            <a:extLst>
+              <a:ext uri="{FF2B5EF4-FFF2-40B4-BE49-F238E27FC236}">
+                <a16:creationId xmlns:a16="http://schemas.microsoft.com/office/drawing/2014/main" id="{38E86D61-ABB1-4823-A720-B7D4063C990A}"/>
+              </a:ext>
+            </a:extLst>
+          </p:cNvPr>
+          <p:cNvSpPr txBox="1">
+            <a:spLocks/>
+          </p:cNvSpPr>
+          <p:nvPr/>
+        </p:nvSpPr>
+        <p:spPr>
+          <a:xfrm>
+            <a:off x="6565037" y="3602038"/>
+            <a:ext cx="4102963" cy="1655762"/>
+          </a:xfrm>
+          <a:prstGeom prst="rect">
+            <a:avLst/>
+          </a:prstGeom>
+        </p:spPr>
+        <p:txBody>
+          <a:bodyPr vert="horz" lIns="91440" tIns="45720" rIns="91440" bIns="45720" rtlCol="0">
+            <a:normAutofit fontScale="55000" lnSpcReduction="20000"/>
+          </a:bodyPr>
+          <a:lstStyle>
+            <a:lvl1pPr marL="0" indent="0" algn="ctr" defTabSz="914400" rtl="0" eaLnBrk="1" latinLnBrk="0" hangingPunct="1">
+              <a:lnSpc>
+                <a:spcPct val="90000"/>
+              </a:lnSpc>
+              <a:spcBef>
+                <a:spcPts val="1000"/>
+              </a:spcBef>
+              <a:buFont typeface="Arial" panose="020B0604020202020204" pitchFamily="34" charset="0"/>
+              <a:buNone/>
+              <a:defRPr sz="2400" kern="1200">
+                <a:solidFill>
+                  <a:schemeClr val="tx1"/>
+                </a:solidFill>
+                <a:latin typeface="+mn-lt"/>
+                <a:ea typeface="+mn-ea"/>
+                <a:cs typeface="+mn-cs"/>
+              </a:defRPr>
+            </a:lvl1pPr>
+            <a:lvl2pPr marL="457200" indent="0" algn="ctr" defTabSz="914400" rtl="0" eaLnBrk="1" latinLnBrk="0" hangingPunct="1">
+              <a:lnSpc>
+                <a:spcPct val="90000"/>
+              </a:lnSpc>
+              <a:spcBef>
+                <a:spcPts val="500"/>
+              </a:spcBef>
+              <a:buFont typeface="Arial" panose="020B0604020202020204" pitchFamily="34" charset="0"/>
+              <a:buNone/>
+              <a:defRPr sz="2000" kern="1200">
+                <a:solidFill>
+                  <a:schemeClr val="tx1"/>
+                </a:solidFill>
+                <a:latin typeface="+mn-lt"/>
+                <a:ea typeface="+mn-ea"/>
+                <a:cs typeface="+mn-cs"/>
+              </a:defRPr>
+            </a:lvl2pPr>
+            <a:lvl3pPr marL="914400" indent="0" algn="ctr" defTabSz="914400" rtl="0" eaLnBrk="1" latinLnBrk="0" hangingPunct="1">
+              <a:lnSpc>
+                <a:spcPct val="90000"/>
+              </a:lnSpc>
+              <a:spcBef>
+                <a:spcPts val="500"/>
+              </a:spcBef>
+              <a:buFont typeface="Arial" panose="020B0604020202020204" pitchFamily="34" charset="0"/>
+              <a:buNone/>
+              <a:defRPr sz="1800" kern="1200">
+                <a:solidFill>
+                  <a:schemeClr val="tx1"/>
+                </a:solidFill>
+                <a:latin typeface="+mn-lt"/>
+                <a:ea typeface="+mn-ea"/>
+                <a:cs typeface="+mn-cs"/>
+              </a:defRPr>
+            </a:lvl3pPr>
+            <a:lvl4pPr marL="1371600" indent="0" algn="ctr" defTabSz="914400" rtl="0" eaLnBrk="1" latinLnBrk="0" hangingPunct="1">
+              <a:lnSpc>
+                <a:spcPct val="90000"/>
+              </a:lnSpc>
+              <a:spcBef>
+                <a:spcPts val="500"/>
+              </a:spcBef>
+              <a:buFont typeface="Arial" panose="020B0604020202020204" pitchFamily="34" charset="0"/>
+              <a:buNone/>
+              <a:defRPr sz="1600" kern="1200">
+                <a:solidFill>
+                  <a:schemeClr val="tx1"/>
+                </a:solidFill>
+                <a:latin typeface="+mn-lt"/>
+                <a:ea typeface="+mn-ea"/>
+                <a:cs typeface="+mn-cs"/>
+              </a:defRPr>
+            </a:lvl4pPr>
+            <a:lvl5pPr marL="1828800" indent="0" algn="ctr" defTabSz="914400" rtl="0" eaLnBrk="1" latinLnBrk="0" hangingPunct="1">
+              <a:lnSpc>
+                <a:spcPct val="90000"/>
+              </a:lnSpc>
+              <a:spcBef>
+                <a:spcPts val="500"/>
+              </a:spcBef>
+              <a:buFont typeface="Arial" panose="020B0604020202020204" pitchFamily="34" charset="0"/>
+              <a:buNone/>
+              <a:defRPr sz="1600" kern="1200">
+                <a:solidFill>
+                  <a:schemeClr val="tx1"/>
+                </a:solidFill>
+                <a:latin typeface="+mn-lt"/>
+                <a:ea typeface="+mn-ea"/>
+                <a:cs typeface="+mn-cs"/>
+              </a:defRPr>
+            </a:lvl5pPr>
+            <a:lvl6pPr marL="2286000" indent="0" algn="ctr" defTabSz="914400" rtl="0" eaLnBrk="1" latinLnBrk="0" hangingPunct="1">
+              <a:lnSpc>
+                <a:spcPct val="90000"/>
+              </a:lnSpc>
+              <a:spcBef>
+                <a:spcPts val="500"/>
+              </a:spcBef>
+              <a:buFont typeface="Arial" panose="020B0604020202020204" pitchFamily="34" charset="0"/>
+              <a:buNone/>
+              <a:defRPr sz="1600" kern="1200">
+                <a:solidFill>
+                  <a:schemeClr val="tx1"/>
+                </a:solidFill>
+                <a:latin typeface="+mn-lt"/>
+                <a:ea typeface="+mn-ea"/>
+                <a:cs typeface="+mn-cs"/>
+              </a:defRPr>
+            </a:lvl6pPr>
+            <a:lvl7pPr marL="2743200" indent="0" algn="ctr" defTabSz="914400" rtl="0" eaLnBrk="1" latinLnBrk="0" hangingPunct="1">
+              <a:lnSpc>
+                <a:spcPct val="90000"/>
+              </a:lnSpc>
+              <a:spcBef>
+                <a:spcPts val="500"/>
+              </a:spcBef>
+              <a:buFont typeface="Arial" panose="020B0604020202020204" pitchFamily="34" charset="0"/>
+              <a:buNone/>
+              <a:defRPr sz="1600" kern="1200">
+                <a:solidFill>
+                  <a:schemeClr val="tx1"/>
+                </a:solidFill>
+                <a:latin typeface="+mn-lt"/>
+                <a:ea typeface="+mn-ea"/>
+                <a:cs typeface="+mn-cs"/>
+              </a:defRPr>
+            </a:lvl7pPr>
+            <a:lvl8pPr marL="3200400" indent="0" algn="ctr" defTabSz="914400" rtl="0" eaLnBrk="1" latinLnBrk="0" hangingPunct="1">
+              <a:lnSpc>
+                <a:spcPct val="90000"/>
+              </a:lnSpc>
+              <a:spcBef>
+                <a:spcPts val="500"/>
+              </a:spcBef>
+              <a:buFont typeface="Arial" panose="020B0604020202020204" pitchFamily="34" charset="0"/>
+              <a:buNone/>
+              <a:defRPr sz="1600" kern="1200">
+                <a:solidFill>
+                  <a:schemeClr val="tx1"/>
+                </a:solidFill>
+                <a:latin typeface="+mn-lt"/>
+                <a:ea typeface="+mn-ea"/>
+                <a:cs typeface="+mn-cs"/>
+              </a:defRPr>
+            </a:lvl8pPr>
+            <a:lvl9pPr marL="3657600" indent="0" algn="ctr" defTabSz="914400" rtl="0" eaLnBrk="1" latinLnBrk="0" hangingPunct="1">
+              <a:lnSpc>
+                <a:spcPct val="90000"/>
+              </a:lnSpc>
+              <a:spcBef>
+                <a:spcPts val="500"/>
+              </a:spcBef>
+              <a:buFont typeface="Arial" panose="020B0604020202020204" pitchFamily="34" charset="0"/>
+              <a:buNone/>
+              <a:defRPr sz="1600" kern="1200">
+                <a:solidFill>
+                  <a:schemeClr val="tx1"/>
+                </a:solidFill>
+                <a:latin typeface="+mn-lt"/>
+                <a:ea typeface="+mn-ea"/>
+                <a:cs typeface="+mn-cs"/>
+              </a:defRPr>
+            </a:lvl9pPr>
+          </a:lstStyle>
+          <a:p>
+            <a:r>
+              <a:rPr lang="en-US" sz="5100" b="1" dirty="0"/>
+              <a:t>Ian H. Stevenson</a:t>
+            </a:r>
+          </a:p>
+          <a:p>
+            <a:r>
+              <a:rPr lang="en-US" sz="3600" dirty="0"/>
+              <a:t>Department of Psychological Science and Biomedical Engineering </a:t>
+            </a:r>
+          </a:p>
+          <a:p>
+            <a:r>
+              <a:rPr lang="en-US" sz="3600" dirty="0"/>
+              <a:t>University of Connecticut</a:t>
+            </a:r>
+          </a:p>
+          <a:p>
+            <a:r>
+              <a:rPr lang="en-US" sz="3600" dirty="0"/>
+              <a:t>ian.stevenson@uconn.edu</a:t>
             </a:r>
           </a:p>
         </p:txBody>
@@ -3944,8 +4180,8 @@
           </a:p>
         </p:txBody>
       </p:sp>
-      <mc:AlternateContent xmlns:mc="http://schemas.openxmlformats.org/markup-compatibility/2006">
-        <mc:Choice xmlns:a14="http://schemas.microsoft.com/office/drawing/2010/main" Requires="a14">
+      <mc:AlternateContent xmlns:mc="http://schemas.openxmlformats.org/markup-compatibility/2006" xmlns:a14="http://schemas.microsoft.com/office/drawing/2010/main">
+        <mc:Choice Requires="a14">
           <p:sp>
             <p:nvSpPr>
               <p:cNvPr id="3" name="Content Placeholder 2">
@@ -4892,7 +5128,7 @@
             </p:txBody>
           </p:sp>
         </mc:Choice>
-        <mc:Fallback>
+        <mc:Fallback xmlns="">
           <p:sp>
             <p:nvSpPr>
               <p:cNvPr id="3" name="Content Placeholder 2">
@@ -4990,8 +5226,8 @@
           </a:p>
         </p:txBody>
       </p:sp>
-      <mc:AlternateContent xmlns:mc="http://schemas.openxmlformats.org/markup-compatibility/2006">
-        <mc:Choice xmlns:a14="http://schemas.microsoft.com/office/drawing/2010/main" Requires="a14">
+      <mc:AlternateContent xmlns:mc="http://schemas.openxmlformats.org/markup-compatibility/2006" xmlns:a14="http://schemas.microsoft.com/office/drawing/2010/main">
+        <mc:Choice Requires="a14">
           <p:sp>
             <p:nvSpPr>
               <p:cNvPr id="3" name="Content Placeholder 2">
@@ -6602,7 +6838,7 @@
             </p:txBody>
           </p:sp>
         </mc:Choice>
-        <mc:Fallback>
+        <mc:Fallback xmlns="">
           <p:sp>
             <p:nvSpPr>
               <p:cNvPr id="3" name="Content Placeholder 2">

--- a/documents/JSM_2021/4min_version.pptx
+++ b/documents/JSM_2021/4min_version.pptx
@@ -264,7 +264,7 @@
           <a:p>
             <a:fld id="{1FD15BE6-D28F-4CB9-886B-8E7E78239579}" type="datetimeFigureOut">
               <a:rPr lang="en-US" smtClean="0"/>
-              <a:t>6/14/2021</a:t>
+              <a:t>6/17/2021</a:t>
             </a:fld>
             <a:endParaRPr lang="en-US"/>
           </a:p>
@@ -462,7 +462,7 @@
           <a:p>
             <a:fld id="{1FD15BE6-D28F-4CB9-886B-8E7E78239579}" type="datetimeFigureOut">
               <a:rPr lang="en-US" smtClean="0"/>
-              <a:t>6/14/2021</a:t>
+              <a:t>6/17/2021</a:t>
             </a:fld>
             <a:endParaRPr lang="en-US"/>
           </a:p>
@@ -670,7 +670,7 @@
           <a:p>
             <a:fld id="{1FD15BE6-D28F-4CB9-886B-8E7E78239579}" type="datetimeFigureOut">
               <a:rPr lang="en-US" smtClean="0"/>
-              <a:t>6/14/2021</a:t>
+              <a:t>6/17/2021</a:t>
             </a:fld>
             <a:endParaRPr lang="en-US"/>
           </a:p>
@@ -868,7 +868,7 @@
           <a:p>
             <a:fld id="{1FD15BE6-D28F-4CB9-886B-8E7E78239579}" type="datetimeFigureOut">
               <a:rPr lang="en-US" smtClean="0"/>
-              <a:t>6/14/2021</a:t>
+              <a:t>6/17/2021</a:t>
             </a:fld>
             <a:endParaRPr lang="en-US"/>
           </a:p>
@@ -1143,7 +1143,7 @@
           <a:p>
             <a:fld id="{1FD15BE6-D28F-4CB9-886B-8E7E78239579}" type="datetimeFigureOut">
               <a:rPr lang="en-US" smtClean="0"/>
-              <a:t>6/14/2021</a:t>
+              <a:t>6/17/2021</a:t>
             </a:fld>
             <a:endParaRPr lang="en-US"/>
           </a:p>
@@ -1408,7 +1408,7 @@
           <a:p>
             <a:fld id="{1FD15BE6-D28F-4CB9-886B-8E7E78239579}" type="datetimeFigureOut">
               <a:rPr lang="en-US" smtClean="0"/>
-              <a:t>6/14/2021</a:t>
+              <a:t>6/17/2021</a:t>
             </a:fld>
             <a:endParaRPr lang="en-US"/>
           </a:p>
@@ -1820,7 +1820,7 @@
           <a:p>
             <a:fld id="{1FD15BE6-D28F-4CB9-886B-8E7E78239579}" type="datetimeFigureOut">
               <a:rPr lang="en-US" smtClean="0"/>
-              <a:t>6/14/2021</a:t>
+              <a:t>6/17/2021</a:t>
             </a:fld>
             <a:endParaRPr lang="en-US"/>
           </a:p>
@@ -1961,7 +1961,7 @@
           <a:p>
             <a:fld id="{1FD15BE6-D28F-4CB9-886B-8E7E78239579}" type="datetimeFigureOut">
               <a:rPr lang="en-US" smtClean="0"/>
-              <a:t>6/14/2021</a:t>
+              <a:t>6/17/2021</a:t>
             </a:fld>
             <a:endParaRPr lang="en-US"/>
           </a:p>
@@ -2074,7 +2074,7 @@
           <a:p>
             <a:fld id="{1FD15BE6-D28F-4CB9-886B-8E7E78239579}" type="datetimeFigureOut">
               <a:rPr lang="en-US" smtClean="0"/>
-              <a:t>6/14/2021</a:t>
+              <a:t>6/17/2021</a:t>
             </a:fld>
             <a:endParaRPr lang="en-US"/>
           </a:p>
@@ -2385,7 +2385,7 @@
           <a:p>
             <a:fld id="{1FD15BE6-D28F-4CB9-886B-8E7E78239579}" type="datetimeFigureOut">
               <a:rPr lang="en-US" smtClean="0"/>
-              <a:t>6/14/2021</a:t>
+              <a:t>6/17/2021</a:t>
             </a:fld>
             <a:endParaRPr lang="en-US"/>
           </a:p>
@@ -2673,7 +2673,7 @@
           <a:p>
             <a:fld id="{1FD15BE6-D28F-4CB9-886B-8E7E78239579}" type="datetimeFigureOut">
               <a:rPr lang="en-US" smtClean="0"/>
-              <a:t>6/14/2021</a:t>
+              <a:t>6/17/2021</a:t>
             </a:fld>
             <a:endParaRPr lang="en-US"/>
           </a:p>
@@ -2914,7 +2914,7 @@
           <a:p>
             <a:fld id="{1FD15BE6-D28F-4CB9-886B-8E7E78239579}" type="datetimeFigureOut">
               <a:rPr lang="en-US" smtClean="0"/>
-              <a:t>6/14/2021</a:t>
+              <a:t>6/17/2021</a:t>
             </a:fld>
             <a:endParaRPr lang="en-US"/>
           </a:p>
@@ -3661,40 +3661,12 @@
           <a:chExt cx="0" cy="0"/>
         </a:xfrm>
       </p:grpSpPr>
-      <p:sp>
-        <p:nvSpPr>
-          <p:cNvPr id="2" name="Title 1">
-            <a:extLst>
-              <a:ext uri="{FF2B5EF4-FFF2-40B4-BE49-F238E27FC236}">
-                <a16:creationId xmlns:a16="http://schemas.microsoft.com/office/drawing/2014/main" id="{5C194C25-923A-4003-9EEF-624111261059}"/>
-              </a:ext>
-            </a:extLst>
-          </p:cNvPr>
-          <p:cNvSpPr>
-            <a:spLocks noGrp="1"/>
-          </p:cNvSpPr>
-          <p:nvPr>
-            <p:ph type="title"/>
-          </p:nvPr>
-        </p:nvSpPr>
-        <p:spPr/>
-        <p:txBody>
-          <a:bodyPr/>
-          <a:lstStyle/>
-          <a:p>
-            <a:r>
-              <a:rPr lang="en-US" dirty="0"/>
-              <a:t>Problem &amp; Motivation– V1 data</a:t>
-            </a:r>
-          </a:p>
-        </p:txBody>
-      </p:sp>
       <p:pic>
         <p:nvPicPr>
-          <p:cNvPr id="7" name="Picture 6">
-            <a:extLst>
-              <a:ext uri="{FF2B5EF4-FFF2-40B4-BE49-F238E27FC236}">
-                <a16:creationId xmlns:a16="http://schemas.microsoft.com/office/drawing/2014/main" id="{B1963FD6-6ABC-4660-AB7D-DB064050AC00}"/>
+          <p:cNvPr id="3" name="Picture 2">
+            <a:extLst>
+              <a:ext uri="{FF2B5EF4-FFF2-40B4-BE49-F238E27FC236}">
+                <a16:creationId xmlns:a16="http://schemas.microsoft.com/office/drawing/2014/main" id="{7AD33313-5AF1-43D5-B4D4-8B20B62E235D}"/>
               </a:ext>
             </a:extLst>
           </p:cNvPr>
@@ -3711,20 +3683,48 @@
         </p:blipFill>
         <p:spPr>
           <a:xfrm>
-            <a:off x="838202" y="1346707"/>
-            <a:ext cx="3604688" cy="2704847"/>
+            <a:off x="241276" y="1091516"/>
+            <a:ext cx="4201608" cy="2709674"/>
           </a:xfrm>
           <a:prstGeom prst="rect">
             <a:avLst/>
           </a:prstGeom>
         </p:spPr>
       </p:pic>
+      <p:sp>
+        <p:nvSpPr>
+          <p:cNvPr id="2" name="Title 1">
+            <a:extLst>
+              <a:ext uri="{FF2B5EF4-FFF2-40B4-BE49-F238E27FC236}">
+                <a16:creationId xmlns:a16="http://schemas.microsoft.com/office/drawing/2014/main" id="{5C194C25-923A-4003-9EEF-624111261059}"/>
+              </a:ext>
+            </a:extLst>
+          </p:cNvPr>
+          <p:cNvSpPr>
+            <a:spLocks noGrp="1"/>
+          </p:cNvSpPr>
+          <p:nvPr>
+            <p:ph type="title"/>
+          </p:nvPr>
+        </p:nvSpPr>
+        <p:spPr/>
+        <p:txBody>
+          <a:bodyPr/>
+          <a:lstStyle/>
+          <a:p>
+            <a:r>
+              <a:rPr lang="en-US" dirty="0"/>
+              <a:t>Problem &amp; Motivation– V1 data</a:t>
+            </a:r>
+          </a:p>
+        </p:txBody>
+      </p:sp>
       <p:pic>
         <p:nvPicPr>
-          <p:cNvPr id="9" name="Picture 8">
-            <a:extLst>
-              <a:ext uri="{FF2B5EF4-FFF2-40B4-BE49-F238E27FC236}">
-                <a16:creationId xmlns:a16="http://schemas.microsoft.com/office/drawing/2014/main" id="{39EC529A-DE67-4938-85AE-9B571E2417AE}"/>
+          <p:cNvPr id="7" name="Picture 6">
+            <a:extLst>
+              <a:ext uri="{FF2B5EF4-FFF2-40B4-BE49-F238E27FC236}">
+                <a16:creationId xmlns:a16="http://schemas.microsoft.com/office/drawing/2014/main" id="{B1963FD6-6ABC-4660-AB7D-DB064050AC00}"/>
               </a:ext>
             </a:extLst>
           </p:cNvPr>
@@ -3741,7 +3741,7 @@
         </p:blipFill>
         <p:spPr>
           <a:xfrm>
-            <a:off x="4442888" y="1346706"/>
+            <a:off x="4442885" y="1146681"/>
             <a:ext cx="3604688" cy="2704847"/>
           </a:xfrm>
           <a:prstGeom prst="rect">
@@ -4180,6 +4180,36 @@
           </a:p>
         </p:txBody>
       </p:sp>
+      <p:pic>
+        <p:nvPicPr>
+          <p:cNvPr id="4" name="Picture 3">
+            <a:extLst>
+              <a:ext uri="{FF2B5EF4-FFF2-40B4-BE49-F238E27FC236}">
+                <a16:creationId xmlns:a16="http://schemas.microsoft.com/office/drawing/2014/main" id="{97ACEF2F-8603-45F8-8F26-840FB6FB39AB}"/>
+              </a:ext>
+            </a:extLst>
+          </p:cNvPr>
+          <p:cNvPicPr>
+            <a:picLocks noChangeAspect="1"/>
+          </p:cNvPicPr>
+          <p:nvPr/>
+        </p:nvPicPr>
+        <p:blipFill>
+          <a:blip r:embed="rId2"/>
+          <a:stretch>
+            <a:fillRect/>
+          </a:stretch>
+        </p:blipFill>
+        <p:spPr>
+          <a:xfrm>
+            <a:off x="7734300" y="3063875"/>
+            <a:ext cx="3619500" cy="3248025"/>
+          </a:xfrm>
+          <a:prstGeom prst="rect">
+            <a:avLst/>
+          </a:prstGeom>
+        </p:spPr>
+      </p:pic>
       <mc:AlternateContent xmlns:mc="http://schemas.openxmlformats.org/markup-compatibility/2006" xmlns:a14="http://schemas.microsoft.com/office/drawing/2010/main">
         <mc:Choice Requires="a14">
           <p:sp>
@@ -5147,7 +5177,7 @@
             </p:nvSpPr>
             <p:spPr>
               <a:blipFill>
-                <a:blip r:embed="rId2"/>
+                <a:blip r:embed="rId3"/>
                 <a:stretch>
                   <a:fillRect l="-928" t="-3501" b="-560"/>
                 </a:stretch>

--- a/documents/JSM_2021/4min_version.pptx
+++ b/documents/JSM_2021/4min_version.pptx
@@ -264,7 +264,7 @@
           <a:p>
             <a:fld id="{1FD15BE6-D28F-4CB9-886B-8E7E78239579}" type="datetimeFigureOut">
               <a:rPr lang="en-US" smtClean="0"/>
-              <a:t>6/17/2021</a:t>
+              <a:t>6/23/2021</a:t>
             </a:fld>
             <a:endParaRPr lang="en-US"/>
           </a:p>
@@ -462,7 +462,7 @@
           <a:p>
             <a:fld id="{1FD15BE6-D28F-4CB9-886B-8E7E78239579}" type="datetimeFigureOut">
               <a:rPr lang="en-US" smtClean="0"/>
-              <a:t>6/17/2021</a:t>
+              <a:t>6/23/2021</a:t>
             </a:fld>
             <a:endParaRPr lang="en-US"/>
           </a:p>
@@ -670,7 +670,7 @@
           <a:p>
             <a:fld id="{1FD15BE6-D28F-4CB9-886B-8E7E78239579}" type="datetimeFigureOut">
               <a:rPr lang="en-US" smtClean="0"/>
-              <a:t>6/17/2021</a:t>
+              <a:t>6/23/2021</a:t>
             </a:fld>
             <a:endParaRPr lang="en-US"/>
           </a:p>
@@ -868,7 +868,7 @@
           <a:p>
             <a:fld id="{1FD15BE6-D28F-4CB9-886B-8E7E78239579}" type="datetimeFigureOut">
               <a:rPr lang="en-US" smtClean="0"/>
-              <a:t>6/17/2021</a:t>
+              <a:t>6/23/2021</a:t>
             </a:fld>
             <a:endParaRPr lang="en-US"/>
           </a:p>
@@ -1143,7 +1143,7 @@
           <a:p>
             <a:fld id="{1FD15BE6-D28F-4CB9-886B-8E7E78239579}" type="datetimeFigureOut">
               <a:rPr lang="en-US" smtClean="0"/>
-              <a:t>6/17/2021</a:t>
+              <a:t>6/23/2021</a:t>
             </a:fld>
             <a:endParaRPr lang="en-US"/>
           </a:p>
@@ -1408,7 +1408,7 @@
           <a:p>
             <a:fld id="{1FD15BE6-D28F-4CB9-886B-8E7E78239579}" type="datetimeFigureOut">
               <a:rPr lang="en-US" smtClean="0"/>
-              <a:t>6/17/2021</a:t>
+              <a:t>6/23/2021</a:t>
             </a:fld>
             <a:endParaRPr lang="en-US"/>
           </a:p>
@@ -1820,7 +1820,7 @@
           <a:p>
             <a:fld id="{1FD15BE6-D28F-4CB9-886B-8E7E78239579}" type="datetimeFigureOut">
               <a:rPr lang="en-US" smtClean="0"/>
-              <a:t>6/17/2021</a:t>
+              <a:t>6/23/2021</a:t>
             </a:fld>
             <a:endParaRPr lang="en-US"/>
           </a:p>
@@ -1961,7 +1961,7 @@
           <a:p>
             <a:fld id="{1FD15BE6-D28F-4CB9-886B-8E7E78239579}" type="datetimeFigureOut">
               <a:rPr lang="en-US" smtClean="0"/>
-              <a:t>6/17/2021</a:t>
+              <a:t>6/23/2021</a:t>
             </a:fld>
             <a:endParaRPr lang="en-US"/>
           </a:p>
@@ -2074,7 +2074,7 @@
           <a:p>
             <a:fld id="{1FD15BE6-D28F-4CB9-886B-8E7E78239579}" type="datetimeFigureOut">
               <a:rPr lang="en-US" smtClean="0"/>
-              <a:t>6/17/2021</a:t>
+              <a:t>6/23/2021</a:t>
             </a:fld>
             <a:endParaRPr lang="en-US"/>
           </a:p>
@@ -2385,7 +2385,7 @@
           <a:p>
             <a:fld id="{1FD15BE6-D28F-4CB9-886B-8E7E78239579}" type="datetimeFigureOut">
               <a:rPr lang="en-US" smtClean="0"/>
-              <a:t>6/17/2021</a:t>
+              <a:t>6/23/2021</a:t>
             </a:fld>
             <a:endParaRPr lang="en-US"/>
           </a:p>
@@ -2673,7 +2673,7 @@
           <a:p>
             <a:fld id="{1FD15BE6-D28F-4CB9-886B-8E7E78239579}" type="datetimeFigureOut">
               <a:rPr lang="en-US" smtClean="0"/>
-              <a:t>6/17/2021</a:t>
+              <a:t>6/23/2021</a:t>
             </a:fld>
             <a:endParaRPr lang="en-US"/>
           </a:p>
@@ -2914,7 +2914,7 @@
           <a:p>
             <a:fld id="{1FD15BE6-D28F-4CB9-886B-8E7E78239579}" type="datetimeFigureOut">
               <a:rPr lang="en-US" smtClean="0"/>
-              <a:t>6/17/2021</a:t>
+              <a:t>6/23/2021</a:t>
             </a:fld>
             <a:endParaRPr lang="en-US"/>
           </a:p>
@@ -7171,8 +7171,12 @@
           <a:lstStyle/>
           <a:p>
             <a:r>
+              <a:rPr lang="en-US"/>
+              <a:t>Application: </a:t>
+            </a:r>
+            <a:r>
               <a:rPr lang="en-US" dirty="0"/>
-              <a:t>Application: revisit V1 data</a:t>
+              <a:t>revisit V1 data</a:t>
             </a:r>
           </a:p>
         </p:txBody>

--- a/documents/JSM_2021/4min_version.pptx
+++ b/documents/JSM_2021/4min_version.pptx
@@ -5,12 +5,13 @@
     <p:sldMasterId id="2147483648" r:id="rId1"/>
   </p:sldMasterIdLst>
   <p:sldIdLst>
-    <p:sldId id="256" r:id="rId2"/>
-    <p:sldId id="257" r:id="rId3"/>
-    <p:sldId id="259" r:id="rId4"/>
-    <p:sldId id="260" r:id="rId5"/>
-    <p:sldId id="264" r:id="rId6"/>
-    <p:sldId id="266" r:id="rId7"/>
+    <p:sldId id="270" r:id="rId2"/>
+    <p:sldId id="268" r:id="rId3"/>
+    <p:sldId id="269" r:id="rId4"/>
+    <p:sldId id="259" r:id="rId5"/>
+    <p:sldId id="260" r:id="rId6"/>
+    <p:sldId id="264" r:id="rId7"/>
+    <p:sldId id="266" r:id="rId8"/>
   </p:sldIdLst>
   <p:sldSz cx="12192000" cy="6858000"/>
   <p:notesSz cx="6858000" cy="9144000"/>
@@ -264,7 +265,7 @@
           <a:p>
             <a:fld id="{1FD15BE6-D28F-4CB9-886B-8E7E78239579}" type="datetimeFigureOut">
               <a:rPr lang="en-US" smtClean="0"/>
-              <a:t>6/23/2021</a:t>
+              <a:t>7/28/2021</a:t>
             </a:fld>
             <a:endParaRPr lang="en-US"/>
           </a:p>
@@ -462,7 +463,7 @@
           <a:p>
             <a:fld id="{1FD15BE6-D28F-4CB9-886B-8E7E78239579}" type="datetimeFigureOut">
               <a:rPr lang="en-US" smtClean="0"/>
-              <a:t>6/23/2021</a:t>
+              <a:t>7/28/2021</a:t>
             </a:fld>
             <a:endParaRPr lang="en-US"/>
           </a:p>
@@ -670,7 +671,7 @@
           <a:p>
             <a:fld id="{1FD15BE6-D28F-4CB9-886B-8E7E78239579}" type="datetimeFigureOut">
               <a:rPr lang="en-US" smtClean="0"/>
-              <a:t>6/23/2021</a:t>
+              <a:t>7/28/2021</a:t>
             </a:fld>
             <a:endParaRPr lang="en-US"/>
           </a:p>
@@ -868,7 +869,7 @@
           <a:p>
             <a:fld id="{1FD15BE6-D28F-4CB9-886B-8E7E78239579}" type="datetimeFigureOut">
               <a:rPr lang="en-US" smtClean="0"/>
-              <a:t>6/23/2021</a:t>
+              <a:t>7/28/2021</a:t>
             </a:fld>
             <a:endParaRPr lang="en-US"/>
           </a:p>
@@ -1143,7 +1144,7 @@
           <a:p>
             <a:fld id="{1FD15BE6-D28F-4CB9-886B-8E7E78239579}" type="datetimeFigureOut">
               <a:rPr lang="en-US" smtClean="0"/>
-              <a:t>6/23/2021</a:t>
+              <a:t>7/28/2021</a:t>
             </a:fld>
             <a:endParaRPr lang="en-US"/>
           </a:p>
@@ -1408,7 +1409,7 @@
           <a:p>
             <a:fld id="{1FD15BE6-D28F-4CB9-886B-8E7E78239579}" type="datetimeFigureOut">
               <a:rPr lang="en-US" smtClean="0"/>
-              <a:t>6/23/2021</a:t>
+              <a:t>7/28/2021</a:t>
             </a:fld>
             <a:endParaRPr lang="en-US"/>
           </a:p>
@@ -1820,7 +1821,7 @@
           <a:p>
             <a:fld id="{1FD15BE6-D28F-4CB9-886B-8E7E78239579}" type="datetimeFigureOut">
               <a:rPr lang="en-US" smtClean="0"/>
-              <a:t>6/23/2021</a:t>
+              <a:t>7/28/2021</a:t>
             </a:fld>
             <a:endParaRPr lang="en-US"/>
           </a:p>
@@ -1961,7 +1962,7 @@
           <a:p>
             <a:fld id="{1FD15BE6-D28F-4CB9-886B-8E7E78239579}" type="datetimeFigureOut">
               <a:rPr lang="en-US" smtClean="0"/>
-              <a:t>6/23/2021</a:t>
+              <a:t>7/28/2021</a:t>
             </a:fld>
             <a:endParaRPr lang="en-US"/>
           </a:p>
@@ -2074,7 +2075,7 @@
           <a:p>
             <a:fld id="{1FD15BE6-D28F-4CB9-886B-8E7E78239579}" type="datetimeFigureOut">
               <a:rPr lang="en-US" smtClean="0"/>
-              <a:t>6/23/2021</a:t>
+              <a:t>7/28/2021</a:t>
             </a:fld>
             <a:endParaRPr lang="en-US"/>
           </a:p>
@@ -2385,7 +2386,7 @@
           <a:p>
             <a:fld id="{1FD15BE6-D28F-4CB9-886B-8E7E78239579}" type="datetimeFigureOut">
               <a:rPr lang="en-US" smtClean="0"/>
-              <a:t>6/23/2021</a:t>
+              <a:t>7/28/2021</a:t>
             </a:fld>
             <a:endParaRPr lang="en-US"/>
           </a:p>
@@ -2673,7 +2674,7 @@
           <a:p>
             <a:fld id="{1FD15BE6-D28F-4CB9-886B-8E7E78239579}" type="datetimeFigureOut">
               <a:rPr lang="en-US" smtClean="0"/>
-              <a:t>6/23/2021</a:t>
+              <a:t>7/28/2021</a:t>
             </a:fld>
             <a:endParaRPr lang="en-US"/>
           </a:p>
@@ -2914,7 +2915,7 @@
           <a:p>
             <a:fld id="{1FD15BE6-D28F-4CB9-886B-8E7E78239579}" type="datetimeFigureOut">
               <a:rPr lang="en-US" smtClean="0"/>
-              <a:t>6/23/2021</a:t>
+              <a:t>7/28/2021</a:t>
             </a:fld>
             <a:endParaRPr lang="en-US"/>
           </a:p>
@@ -3385,12 +3386,12 @@
         </p:spPr>
         <p:txBody>
           <a:bodyPr>
-            <a:normAutofit/>
+            <a:normAutofit lnSpcReduction="10000"/>
           </a:bodyPr>
           <a:lstStyle/>
           <a:p>
             <a:r>
-              <a:rPr lang="en-US" b="1" dirty="0"/>
+              <a:rPr lang="en-US" sz="2800" b="1" dirty="0"/>
               <a:t>Ganchao Wei</a:t>
             </a:r>
           </a:p>
@@ -3634,7 +3635,7 @@
     </p:spTree>
     <p:extLst>
       <p:ext uri="{BB962C8B-B14F-4D97-AF65-F5344CB8AC3E}">
-        <p14:creationId xmlns:p14="http://schemas.microsoft.com/office/powerpoint/2010/main" val="3790949887"/>
+        <p14:creationId xmlns:p14="http://schemas.microsoft.com/office/powerpoint/2010/main" val="912929730"/>
       </p:ext>
     </p:extLst>
   </p:cSld>
@@ -3663,10 +3664,10 @@
       </p:grpSpPr>
       <p:pic>
         <p:nvPicPr>
-          <p:cNvPr id="3" name="Picture 2">
-            <a:extLst>
-              <a:ext uri="{FF2B5EF4-FFF2-40B4-BE49-F238E27FC236}">
-                <a16:creationId xmlns:a16="http://schemas.microsoft.com/office/drawing/2014/main" id="{7AD33313-5AF1-43D5-B4D4-8B20B62E235D}"/>
+          <p:cNvPr id="7" name="Picture 6">
+            <a:extLst>
+              <a:ext uri="{FF2B5EF4-FFF2-40B4-BE49-F238E27FC236}">
+                <a16:creationId xmlns:a16="http://schemas.microsoft.com/office/drawing/2014/main" id="{9493F6A3-3264-4813-BCFC-C9FAFDEF97C5}"/>
               </a:ext>
             </a:extLst>
           </p:cNvPr>
@@ -3683,8 +3684,8 @@
         </p:blipFill>
         <p:spPr>
           <a:xfrm>
-            <a:off x="241276" y="1091516"/>
-            <a:ext cx="4201608" cy="2709674"/>
+            <a:off x="1278975" y="4238238"/>
+            <a:ext cx="3658790" cy="2359604"/>
           </a:xfrm>
           <a:prstGeom prst="rect">
             <a:avLst/>
@@ -3696,7 +3697,7 @@
           <p:cNvPr id="2" name="Title 1">
             <a:extLst>
               <a:ext uri="{FF2B5EF4-FFF2-40B4-BE49-F238E27FC236}">
-                <a16:creationId xmlns:a16="http://schemas.microsoft.com/office/drawing/2014/main" id="{5C194C25-923A-4003-9EEF-624111261059}"/>
+                <a16:creationId xmlns:a16="http://schemas.microsoft.com/office/drawing/2014/main" id="{9C3DF9DD-863F-45B6-B7DF-258D7EC7EFA1}"/>
               </a:ext>
             </a:extLst>
           </p:cNvPr>
@@ -3714,7 +3715,450 @@
           <a:p>
             <a:r>
               <a:rPr lang="en-US" dirty="0"/>
-              <a:t>Problem &amp; Motivation– V1 data</a:t>
+              <a:t>Problem &amp; Motivation– Neural Spikes</a:t>
+            </a:r>
+          </a:p>
+        </p:txBody>
+      </p:sp>
+      <p:sp>
+        <p:nvSpPr>
+          <p:cNvPr id="3" name="Content Placeholder 2">
+            <a:extLst>
+              <a:ext uri="{FF2B5EF4-FFF2-40B4-BE49-F238E27FC236}">
+                <a16:creationId xmlns:a16="http://schemas.microsoft.com/office/drawing/2014/main" id="{9C151736-7A85-4077-8377-624FA3C9AD25}"/>
+              </a:ext>
+            </a:extLst>
+          </p:cNvPr>
+          <p:cNvSpPr>
+            <a:spLocks noGrp="1"/>
+          </p:cNvSpPr>
+          <p:nvPr>
+            <p:ph idx="1"/>
+          </p:nvPr>
+        </p:nvSpPr>
+        <p:spPr/>
+        <p:txBody>
+          <a:bodyPr/>
+          <a:lstStyle/>
+          <a:p>
+            <a:r>
+              <a:rPr lang="en-US" dirty="0"/>
+              <a:t>Neuron &amp; Neural Spikes</a:t>
+            </a:r>
+          </a:p>
+          <a:p>
+            <a:endParaRPr lang="en-US" dirty="0"/>
+          </a:p>
+        </p:txBody>
+      </p:sp>
+      <p:pic>
+        <p:nvPicPr>
+          <p:cNvPr id="4" name="Picture 2" descr="Neural coding 1: How to understand what a neuron is saying. – The Brain  Bank North West">
+            <a:extLst>
+              <a:ext uri="{FF2B5EF4-FFF2-40B4-BE49-F238E27FC236}">
+                <a16:creationId xmlns:a16="http://schemas.microsoft.com/office/drawing/2014/main" id="{1ABA11B0-C50B-420D-897C-DF6ED282D353}"/>
+              </a:ext>
+            </a:extLst>
+          </p:cNvPr>
+          <p:cNvPicPr>
+            <a:picLocks noChangeAspect="1" noChangeArrowheads="1"/>
+          </p:cNvPicPr>
+          <p:nvPr/>
+        </p:nvPicPr>
+        <p:blipFill>
+          <a:blip r:embed="rId3">
+            <a:extLst>
+              <a:ext uri="{28A0092B-C50C-407E-A947-70E740481C1C}">
+                <a14:useLocalDpi xmlns:a14="http://schemas.microsoft.com/office/drawing/2010/main" val="0"/>
+              </a:ext>
+            </a:extLst>
+          </a:blip>
+          <a:srcRect/>
+          <a:stretch>
+            <a:fillRect/>
+          </a:stretch>
+        </p:blipFill>
+        <p:spPr bwMode="auto">
+          <a:xfrm>
+            <a:off x="5564119" y="2283464"/>
+            <a:ext cx="5348906" cy="2303265"/>
+          </a:xfrm>
+          <a:prstGeom prst="rect">
+            <a:avLst/>
+          </a:prstGeom>
+          <a:noFill/>
+          <a:extLst>
+            <a:ext uri="{909E8E84-426E-40DD-AFC4-6F175D3DCCD1}">
+              <a14:hiddenFill xmlns:a14="http://schemas.microsoft.com/office/drawing/2010/main">
+                <a:solidFill>
+                  <a:srgbClr val="FFFFFF"/>
+                </a:solidFill>
+              </a14:hiddenFill>
+            </a:ext>
+          </a:extLst>
+        </p:spPr>
+      </p:pic>
+      <p:pic>
+        <p:nvPicPr>
+          <p:cNvPr id="5" name="Picture 8">
+            <a:extLst>
+              <a:ext uri="{FF2B5EF4-FFF2-40B4-BE49-F238E27FC236}">
+                <a16:creationId xmlns:a16="http://schemas.microsoft.com/office/drawing/2014/main" id="{6F7FA54B-E7C8-4990-99ED-617DB0F10FF0}"/>
+              </a:ext>
+            </a:extLst>
+          </p:cNvPr>
+          <p:cNvPicPr>
+            <a:picLocks noChangeAspect="1" noChangeArrowheads="1"/>
+          </p:cNvPicPr>
+          <p:nvPr/>
+        </p:nvPicPr>
+        <p:blipFill>
+          <a:blip r:embed="rId4">
+            <a:extLst>
+              <a:ext uri="{28A0092B-C50C-407E-A947-70E740481C1C}">
+                <a14:useLocalDpi xmlns:a14="http://schemas.microsoft.com/office/drawing/2010/main" val="0"/>
+              </a:ext>
+            </a:extLst>
+          </a:blip>
+          <a:srcRect/>
+          <a:stretch>
+            <a:fillRect/>
+          </a:stretch>
+        </p:blipFill>
+        <p:spPr bwMode="auto">
+          <a:xfrm>
+            <a:off x="1278975" y="2277367"/>
+            <a:ext cx="4285144" cy="2303265"/>
+          </a:xfrm>
+          <a:prstGeom prst="rect">
+            <a:avLst/>
+          </a:prstGeom>
+          <a:noFill/>
+          <a:extLst>
+            <a:ext uri="{909E8E84-426E-40DD-AFC4-6F175D3DCCD1}">
+              <a14:hiddenFill xmlns:a14="http://schemas.microsoft.com/office/drawing/2010/main">
+                <a:solidFill>
+                  <a:srgbClr val="FFFFFF"/>
+                </a:solidFill>
+              </a14:hiddenFill>
+            </a:ext>
+          </a:extLst>
+        </p:spPr>
+      </p:pic>
+      <mc:AlternateContent xmlns:mc="http://schemas.openxmlformats.org/markup-compatibility/2006">
+        <mc:Choice xmlns:a14="http://schemas.microsoft.com/office/drawing/2010/main" Requires="a14">
+          <p:sp>
+            <p:nvSpPr>
+              <p:cNvPr id="6" name="TextBox 5">
+                <a:extLst>
+                  <a:ext uri="{FF2B5EF4-FFF2-40B4-BE49-F238E27FC236}">
+                    <a16:creationId xmlns:a16="http://schemas.microsoft.com/office/drawing/2014/main" id="{8D8BA074-E304-40BC-A9F9-0BB131FBC0FC}"/>
+                  </a:ext>
+                </a:extLst>
+              </p:cNvPr>
+              <p:cNvSpPr txBox="1"/>
+              <p:nvPr/>
+            </p:nvSpPr>
+            <p:spPr>
+              <a:xfrm>
+                <a:off x="6003803" y="4550755"/>
+                <a:ext cx="5129609" cy="1646989"/>
+              </a:xfrm>
+              <a:prstGeom prst="rect">
+                <a:avLst/>
+              </a:prstGeom>
+              <a:noFill/>
+            </p:spPr>
+            <p:txBody>
+              <a:bodyPr wrap="none" rtlCol="0">
+                <a:spAutoFit/>
+              </a:bodyPr>
+              <a:lstStyle/>
+              <a:p>
+                <a:r>
+                  <a:rPr lang="en-US" sz="2500" dirty="0"/>
+                  <a:t>Observation: </a:t>
+                </a:r>
+                <a14:m>
+                  <m:oMath xmlns:m="http://schemas.openxmlformats.org/officeDocument/2006/math">
+                    <m:sSubSup>
+                      <m:sSubSupPr>
+                        <m:ctrlPr>
+                          <a:rPr lang="en-US" sz="2500" b="0" i="1" smtClean="0">
+                            <a:latin typeface="Cambria Math" panose="02040503050406030204" pitchFamily="18" charset="0"/>
+                          </a:rPr>
+                        </m:ctrlPr>
+                      </m:sSubSupPr>
+                      <m:e>
+                        <m:d>
+                          <m:dPr>
+                            <m:begChr m:val="{"/>
+                            <m:endChr m:val="}"/>
+                            <m:ctrlPr>
+                              <a:rPr lang="en-US" sz="2500" b="0" i="1" smtClean="0">
+                                <a:latin typeface="Cambria Math" panose="02040503050406030204" pitchFamily="18" charset="0"/>
+                              </a:rPr>
+                            </m:ctrlPr>
+                          </m:dPr>
+                          <m:e>
+                            <m:sSub>
+                              <m:sSubPr>
+                                <m:ctrlPr>
+                                  <a:rPr lang="en-US" sz="2500" b="0" i="1" smtClean="0">
+                                    <a:latin typeface="Cambria Math" panose="02040503050406030204" pitchFamily="18" charset="0"/>
+                                  </a:rPr>
+                                </m:ctrlPr>
+                              </m:sSubPr>
+                              <m:e>
+                                <m:r>
+                                  <a:rPr lang="en-US" sz="2500" b="0" i="1" smtClean="0">
+                                    <a:latin typeface="Cambria Math" panose="02040503050406030204" pitchFamily="18" charset="0"/>
+                                  </a:rPr>
+                                  <m:t>𝑦</m:t>
+                                </m:r>
+                              </m:e>
+                              <m:sub>
+                                <m:r>
+                                  <a:rPr lang="en-US" sz="2500" b="0" i="1" smtClean="0">
+                                    <a:latin typeface="Cambria Math" panose="02040503050406030204" pitchFamily="18" charset="0"/>
+                                  </a:rPr>
+                                  <m:t>𝑘</m:t>
+                                </m:r>
+                              </m:sub>
+                            </m:sSub>
+                          </m:e>
+                        </m:d>
+                      </m:e>
+                      <m:sub>
+                        <m:r>
+                          <a:rPr lang="en-US" sz="2500" b="0" i="1" smtClean="0">
+                            <a:latin typeface="Cambria Math" panose="02040503050406030204" pitchFamily="18" charset="0"/>
+                          </a:rPr>
+                          <m:t>𝑘</m:t>
+                        </m:r>
+                        <m:r>
+                          <a:rPr lang="en-US" sz="2500" b="0" i="1" smtClean="0">
+                            <a:latin typeface="Cambria Math" panose="02040503050406030204" pitchFamily="18" charset="0"/>
+                          </a:rPr>
+                          <m:t>=0</m:t>
+                        </m:r>
+                      </m:sub>
+                      <m:sup>
+                        <m:r>
+                          <a:rPr lang="en-US" sz="2500" b="0" i="1" smtClean="0">
+                            <a:latin typeface="Cambria Math" panose="02040503050406030204" pitchFamily="18" charset="0"/>
+                          </a:rPr>
+                          <m:t>𝑇</m:t>
+                        </m:r>
+                      </m:sup>
+                    </m:sSubSup>
+                    <m:r>
+                      <a:rPr lang="en-US" sz="2500" b="0" i="1" smtClean="0">
+                        <a:latin typeface="Cambria Math" panose="02040503050406030204" pitchFamily="18" charset="0"/>
+                      </a:rPr>
+                      <m:t>, </m:t>
+                    </m:r>
+                    <m:sSub>
+                      <m:sSubPr>
+                        <m:ctrlPr>
+                          <a:rPr lang="en-US" sz="2500" b="0" i="1" smtClean="0">
+                            <a:latin typeface="Cambria Math" panose="02040503050406030204" pitchFamily="18" charset="0"/>
+                          </a:rPr>
+                        </m:ctrlPr>
+                      </m:sSubPr>
+                      <m:e>
+                        <m:r>
+                          <a:rPr lang="en-US" sz="2500" b="0" i="1" smtClean="0">
+                            <a:latin typeface="Cambria Math" panose="02040503050406030204" pitchFamily="18" charset="0"/>
+                          </a:rPr>
+                          <m:t>𝑦</m:t>
+                        </m:r>
+                      </m:e>
+                      <m:sub>
+                        <m:r>
+                          <a:rPr lang="en-US" sz="2500" b="0" i="1" smtClean="0">
+                            <a:latin typeface="Cambria Math" panose="02040503050406030204" pitchFamily="18" charset="0"/>
+                          </a:rPr>
+                          <m:t>𝑘</m:t>
+                        </m:r>
+                      </m:sub>
+                    </m:sSub>
+                    <m:r>
+                      <a:rPr lang="en-US" sz="2500" b="0" i="1" smtClean="0">
+                        <a:latin typeface="Cambria Math" panose="02040503050406030204" pitchFamily="18" charset="0"/>
+                        <a:ea typeface="Cambria Math" panose="02040503050406030204" pitchFamily="18" charset="0"/>
+                      </a:rPr>
+                      <m:t>∈{0,1,2,…}</m:t>
+                    </m:r>
+                  </m:oMath>
+                </a14:m>
+                <a:endParaRPr lang="en-US" sz="2500" dirty="0"/>
+              </a:p>
+              <a:p>
+                <a:r>
+                  <a:rPr lang="en-US" sz="2500" dirty="0"/>
+                  <a:t>Fano Factor = </a:t>
+                </a:r>
+                <a:r>
+                  <a:rPr lang="en-US" sz="2500" b="1" dirty="0">
+                    <a:solidFill>
+                      <a:schemeClr val="accent1"/>
+                    </a:solidFill>
+                  </a:rPr>
+                  <a:t>var </a:t>
+                </a:r>
+                <a:r>
+                  <a:rPr lang="en-US" sz="2500" dirty="0"/>
+                  <a:t>/</a:t>
+                </a:r>
+                <a:r>
+                  <a:rPr lang="en-US" sz="2500" b="1" dirty="0">
+                    <a:solidFill>
+                      <a:schemeClr val="accent2"/>
+                    </a:solidFill>
+                  </a:rPr>
+                  <a:t> mean</a:t>
+                </a:r>
+                <a:endParaRPr lang="en-US" sz="2500" dirty="0"/>
+              </a:p>
+              <a:p>
+                <a:r>
+                  <a:rPr lang="en-US" sz="2500" dirty="0"/>
+                  <a:t>Poisson: </a:t>
+                </a:r>
+                <a:r>
+                  <a:rPr lang="en-US" sz="2500" b="1" dirty="0">
+                    <a:solidFill>
+                      <a:schemeClr val="accent2"/>
+                    </a:solidFill>
+                  </a:rPr>
+                  <a:t>mean</a:t>
+                </a:r>
+                <a:r>
+                  <a:rPr lang="en-US" sz="2500" dirty="0"/>
+                  <a:t> = </a:t>
+                </a:r>
+                <a:r>
+                  <a:rPr lang="en-US" sz="2500" b="1" dirty="0">
+                    <a:solidFill>
+                      <a:schemeClr val="accent1"/>
+                    </a:solidFill>
+                  </a:rPr>
+                  <a:t>var</a:t>
+                </a:r>
+                <a:r>
+                  <a:rPr lang="en-US" sz="2500" dirty="0"/>
+                  <a:t>, inappropriate</a:t>
+                </a:r>
+              </a:p>
+              <a:p>
+                <a:r>
+                  <a:rPr lang="en-US" sz="2500" dirty="0"/>
+                  <a:t>Under- &amp; over-dispersion</a:t>
+                </a:r>
+              </a:p>
+            </p:txBody>
+          </p:sp>
+        </mc:Choice>
+        <mc:Fallback>
+          <p:sp>
+            <p:nvSpPr>
+              <p:cNvPr id="6" name="TextBox 5">
+                <a:extLst>
+                  <a:ext uri="{FF2B5EF4-FFF2-40B4-BE49-F238E27FC236}">
+                    <a16:creationId xmlns:a16="http://schemas.microsoft.com/office/drawing/2014/main" id="{8D8BA074-E304-40BC-A9F9-0BB131FBC0FC}"/>
+                  </a:ext>
+                </a:extLst>
+              </p:cNvPr>
+              <p:cNvSpPr txBox="1">
+                <a:spLocks noRot="1" noChangeAspect="1" noMove="1" noResize="1" noEditPoints="1" noAdjustHandles="1" noChangeArrowheads="1" noChangeShapeType="1" noTextEdit="1"/>
+              </p:cNvSpPr>
+              <p:nvPr/>
+            </p:nvSpPr>
+            <p:spPr>
+              <a:xfrm>
+                <a:off x="6003803" y="4550755"/>
+                <a:ext cx="5129609" cy="1646989"/>
+              </a:xfrm>
+              <a:prstGeom prst="rect">
+                <a:avLst/>
+              </a:prstGeom>
+              <a:blipFill>
+                <a:blip r:embed="rId5"/>
+                <a:stretch>
+                  <a:fillRect l="-2021" t="-1852" b="-8148"/>
+                </a:stretch>
+              </a:blipFill>
+            </p:spPr>
+            <p:txBody>
+              <a:bodyPr/>
+              <a:lstStyle/>
+              <a:p>
+                <a:r>
+                  <a:rPr lang="en-US">
+                    <a:noFill/>
+                  </a:rPr>
+                  <a:t> </a:t>
+                </a:r>
+              </a:p>
+            </p:txBody>
+          </p:sp>
+        </mc:Fallback>
+      </mc:AlternateContent>
+    </p:spTree>
+    <p:extLst>
+      <p:ext uri="{BB962C8B-B14F-4D97-AF65-F5344CB8AC3E}">
+        <p14:creationId xmlns:p14="http://schemas.microsoft.com/office/powerpoint/2010/main" val="3927933319"/>
+      </p:ext>
+    </p:extLst>
+  </p:cSld>
+  <p:clrMapOvr>
+    <a:masterClrMapping/>
+  </p:clrMapOvr>
+</p:sld>
+</file>
+
+<file path=ppt/slides/slide3.xml><?xml version="1.0" encoding="utf-8"?>
+<p:sld xmlns:a="http://schemas.openxmlformats.org/drawingml/2006/main" xmlns:r="http://schemas.openxmlformats.org/officeDocument/2006/relationships" xmlns:p="http://schemas.openxmlformats.org/presentationml/2006/main">
+  <p:cSld>
+    <p:spTree>
+      <p:nvGrpSpPr>
+        <p:cNvPr id="1" name=""/>
+        <p:cNvGrpSpPr/>
+        <p:nvPr/>
+      </p:nvGrpSpPr>
+      <p:grpSpPr>
+        <a:xfrm>
+          <a:off x="0" y="0"/>
+          <a:ext cx="0" cy="0"/>
+          <a:chOff x="0" y="0"/>
+          <a:chExt cx="0" cy="0"/>
+        </a:xfrm>
+      </p:grpSpPr>
+      <p:sp>
+        <p:nvSpPr>
+          <p:cNvPr id="2" name="Title 1">
+            <a:extLst>
+              <a:ext uri="{FF2B5EF4-FFF2-40B4-BE49-F238E27FC236}">
+                <a16:creationId xmlns:a16="http://schemas.microsoft.com/office/drawing/2014/main" id="{5C194C25-923A-4003-9EEF-624111261059}"/>
+              </a:ext>
+            </a:extLst>
+          </p:cNvPr>
+          <p:cNvSpPr>
+            <a:spLocks noGrp="1"/>
+          </p:cNvSpPr>
+          <p:nvPr>
+            <p:ph type="title"/>
+          </p:nvPr>
+        </p:nvSpPr>
+        <p:spPr/>
+        <p:txBody>
+          <a:bodyPr/>
+          <a:lstStyle/>
+          <a:p>
+            <a:r>
+              <a:rPr lang="en-US" dirty="0"/>
+              <a:t>Problem &amp; Motivation– primary visual cortex (V1)</a:t>
             </a:r>
           </a:p>
         </p:txBody>
@@ -3725,6 +4169,36 @@
             <a:extLst>
               <a:ext uri="{FF2B5EF4-FFF2-40B4-BE49-F238E27FC236}">
                 <a16:creationId xmlns:a16="http://schemas.microsoft.com/office/drawing/2014/main" id="{B1963FD6-6ABC-4660-AB7D-DB064050AC00}"/>
+              </a:ext>
+            </a:extLst>
+          </p:cNvPr>
+          <p:cNvPicPr>
+            <a:picLocks noChangeAspect="1"/>
+          </p:cNvPicPr>
+          <p:nvPr/>
+        </p:nvPicPr>
+        <p:blipFill>
+          <a:blip r:embed="rId2"/>
+          <a:stretch>
+            <a:fillRect/>
+          </a:stretch>
+        </p:blipFill>
+        <p:spPr>
+          <a:xfrm>
+            <a:off x="3995518" y="1569497"/>
+            <a:ext cx="3604688" cy="2704847"/>
+          </a:xfrm>
+          <a:prstGeom prst="rect">
+            <a:avLst/>
+          </a:prstGeom>
+        </p:spPr>
+      </p:pic>
+      <p:pic>
+        <p:nvPicPr>
+          <p:cNvPr id="10" name="Picture 9">
+            <a:extLst>
+              <a:ext uri="{FF2B5EF4-FFF2-40B4-BE49-F238E27FC236}">
+                <a16:creationId xmlns:a16="http://schemas.microsoft.com/office/drawing/2014/main" id="{372A8CF0-149C-468C-B583-0F35D4C6BEB4}"/>
               </a:ext>
             </a:extLst>
           </p:cNvPr>
@@ -3741,7 +4215,7 @@
         </p:blipFill>
         <p:spPr>
           <a:xfrm>
-            <a:off x="4442885" y="1146681"/>
+            <a:off x="510085" y="4205287"/>
             <a:ext cx="3604688" cy="2704847"/>
           </a:xfrm>
           <a:prstGeom prst="rect">
@@ -3751,10 +4225,10 @@
       </p:pic>
       <p:pic>
         <p:nvPicPr>
-          <p:cNvPr id="10" name="Picture 9">
-            <a:extLst>
-              <a:ext uri="{FF2B5EF4-FFF2-40B4-BE49-F238E27FC236}">
-                <a16:creationId xmlns:a16="http://schemas.microsoft.com/office/drawing/2014/main" id="{372A8CF0-149C-468C-B583-0F35D4C6BEB4}"/>
+          <p:cNvPr id="11" name="Picture 10">
+            <a:extLst>
+              <a:ext uri="{FF2B5EF4-FFF2-40B4-BE49-F238E27FC236}">
+                <a16:creationId xmlns:a16="http://schemas.microsoft.com/office/drawing/2014/main" id="{F4C6D079-B802-43C7-8E75-D39DFA705E8A}"/>
               </a:ext>
             </a:extLst>
           </p:cNvPr>
@@ -3771,7 +4245,7 @@
         </p:blipFill>
         <p:spPr>
           <a:xfrm>
-            <a:off x="838200" y="3851528"/>
+            <a:off x="3995518" y="4153153"/>
             <a:ext cx="3604688" cy="2704847"/>
           </a:xfrm>
           <a:prstGeom prst="rect">
@@ -3779,12 +4253,387 @@
           </a:prstGeom>
         </p:spPr>
       </p:pic>
+      <mc:AlternateContent xmlns:mc="http://schemas.openxmlformats.org/markup-compatibility/2006" xmlns:a14="http://schemas.microsoft.com/office/drawing/2010/main">
+        <mc:Choice Requires="a14">
+          <p:sp>
+            <p:nvSpPr>
+              <p:cNvPr id="8" name="Content Placeholder 2">
+                <a:extLst>
+                  <a:ext uri="{FF2B5EF4-FFF2-40B4-BE49-F238E27FC236}">
+                    <a16:creationId xmlns:a16="http://schemas.microsoft.com/office/drawing/2014/main" id="{91513014-1AA2-4608-9AC3-6007C61B44A2}"/>
+                  </a:ext>
+                </a:extLst>
+              </p:cNvPr>
+              <p:cNvSpPr txBox="1">
+                <a:spLocks/>
+              </p:cNvSpPr>
+              <p:nvPr/>
+            </p:nvSpPr>
+            <p:spPr>
+              <a:xfrm>
+                <a:off x="7450650" y="1690686"/>
+                <a:ext cx="3903150" cy="4351338"/>
+              </a:xfrm>
+              <a:prstGeom prst="rect">
+                <a:avLst/>
+              </a:prstGeom>
+            </p:spPr>
+            <p:txBody>
+              <a:bodyPr vert="horz" lIns="91440" tIns="45720" rIns="91440" bIns="45720" rtlCol="0">
+                <a:normAutofit/>
+              </a:bodyPr>
+              <a:lstStyle>
+                <a:lvl1pPr marL="228600" indent="-228600" algn="l" defTabSz="914400" rtl="0" eaLnBrk="1" latinLnBrk="0" hangingPunct="1">
+                  <a:lnSpc>
+                    <a:spcPct val="90000"/>
+                  </a:lnSpc>
+                  <a:spcBef>
+                    <a:spcPts val="1000"/>
+                  </a:spcBef>
+                  <a:buFont typeface="Arial" panose="020B0604020202020204" pitchFamily="34" charset="0"/>
+                  <a:buChar char="•"/>
+                  <a:defRPr sz="2800" kern="1200">
+                    <a:solidFill>
+                      <a:schemeClr val="tx1"/>
+                    </a:solidFill>
+                    <a:latin typeface="+mn-lt"/>
+                    <a:ea typeface="+mn-ea"/>
+                    <a:cs typeface="+mn-cs"/>
+                  </a:defRPr>
+                </a:lvl1pPr>
+                <a:lvl2pPr marL="685800" indent="-228600" algn="l" defTabSz="914400" rtl="0" eaLnBrk="1" latinLnBrk="0" hangingPunct="1">
+                  <a:lnSpc>
+                    <a:spcPct val="90000"/>
+                  </a:lnSpc>
+                  <a:spcBef>
+                    <a:spcPts val="500"/>
+                  </a:spcBef>
+                  <a:buFont typeface="Arial" panose="020B0604020202020204" pitchFamily="34" charset="0"/>
+                  <a:buChar char="•"/>
+                  <a:defRPr sz="2400" kern="1200">
+                    <a:solidFill>
+                      <a:schemeClr val="tx1"/>
+                    </a:solidFill>
+                    <a:latin typeface="+mn-lt"/>
+                    <a:ea typeface="+mn-ea"/>
+                    <a:cs typeface="+mn-cs"/>
+                  </a:defRPr>
+                </a:lvl2pPr>
+                <a:lvl3pPr marL="1143000" indent="-228600" algn="l" defTabSz="914400" rtl="0" eaLnBrk="1" latinLnBrk="0" hangingPunct="1">
+                  <a:lnSpc>
+                    <a:spcPct val="90000"/>
+                  </a:lnSpc>
+                  <a:spcBef>
+                    <a:spcPts val="500"/>
+                  </a:spcBef>
+                  <a:buFont typeface="Arial" panose="020B0604020202020204" pitchFamily="34" charset="0"/>
+                  <a:buChar char="•"/>
+                  <a:defRPr sz="2000" kern="1200">
+                    <a:solidFill>
+                      <a:schemeClr val="tx1"/>
+                    </a:solidFill>
+                    <a:latin typeface="+mn-lt"/>
+                    <a:ea typeface="+mn-ea"/>
+                    <a:cs typeface="+mn-cs"/>
+                  </a:defRPr>
+                </a:lvl3pPr>
+                <a:lvl4pPr marL="1600200" indent="-228600" algn="l" defTabSz="914400" rtl="0" eaLnBrk="1" latinLnBrk="0" hangingPunct="1">
+                  <a:lnSpc>
+                    <a:spcPct val="90000"/>
+                  </a:lnSpc>
+                  <a:spcBef>
+                    <a:spcPts val="500"/>
+                  </a:spcBef>
+                  <a:buFont typeface="Arial" panose="020B0604020202020204" pitchFamily="34" charset="0"/>
+                  <a:buChar char="•"/>
+                  <a:defRPr sz="1800" kern="1200">
+                    <a:solidFill>
+                      <a:schemeClr val="tx1"/>
+                    </a:solidFill>
+                    <a:latin typeface="+mn-lt"/>
+                    <a:ea typeface="+mn-ea"/>
+                    <a:cs typeface="+mn-cs"/>
+                  </a:defRPr>
+                </a:lvl4pPr>
+                <a:lvl5pPr marL="2057400" indent="-228600" algn="l" defTabSz="914400" rtl="0" eaLnBrk="1" latinLnBrk="0" hangingPunct="1">
+                  <a:lnSpc>
+                    <a:spcPct val="90000"/>
+                  </a:lnSpc>
+                  <a:spcBef>
+                    <a:spcPts val="500"/>
+                  </a:spcBef>
+                  <a:buFont typeface="Arial" panose="020B0604020202020204" pitchFamily="34" charset="0"/>
+                  <a:buChar char="•"/>
+                  <a:defRPr sz="1800" kern="1200">
+                    <a:solidFill>
+                      <a:schemeClr val="tx1"/>
+                    </a:solidFill>
+                    <a:latin typeface="+mn-lt"/>
+                    <a:ea typeface="+mn-ea"/>
+                    <a:cs typeface="+mn-cs"/>
+                  </a:defRPr>
+                </a:lvl5pPr>
+                <a:lvl6pPr marL="2514600" indent="-228600" algn="l" defTabSz="914400" rtl="0" eaLnBrk="1" latinLnBrk="0" hangingPunct="1">
+                  <a:lnSpc>
+                    <a:spcPct val="90000"/>
+                  </a:lnSpc>
+                  <a:spcBef>
+                    <a:spcPts val="500"/>
+                  </a:spcBef>
+                  <a:buFont typeface="Arial" panose="020B0604020202020204" pitchFamily="34" charset="0"/>
+                  <a:buChar char="•"/>
+                  <a:defRPr sz="1800" kern="1200">
+                    <a:solidFill>
+                      <a:schemeClr val="tx1"/>
+                    </a:solidFill>
+                    <a:latin typeface="+mn-lt"/>
+                    <a:ea typeface="+mn-ea"/>
+                    <a:cs typeface="+mn-cs"/>
+                  </a:defRPr>
+                </a:lvl6pPr>
+                <a:lvl7pPr marL="2971800" indent="-228600" algn="l" defTabSz="914400" rtl="0" eaLnBrk="1" latinLnBrk="0" hangingPunct="1">
+                  <a:lnSpc>
+                    <a:spcPct val="90000"/>
+                  </a:lnSpc>
+                  <a:spcBef>
+                    <a:spcPts val="500"/>
+                  </a:spcBef>
+                  <a:buFont typeface="Arial" panose="020B0604020202020204" pitchFamily="34" charset="0"/>
+                  <a:buChar char="•"/>
+                  <a:defRPr sz="1800" kern="1200">
+                    <a:solidFill>
+                      <a:schemeClr val="tx1"/>
+                    </a:solidFill>
+                    <a:latin typeface="+mn-lt"/>
+                    <a:ea typeface="+mn-ea"/>
+                    <a:cs typeface="+mn-cs"/>
+                  </a:defRPr>
+                </a:lvl7pPr>
+                <a:lvl8pPr marL="3429000" indent="-228600" algn="l" defTabSz="914400" rtl="0" eaLnBrk="1" latinLnBrk="0" hangingPunct="1">
+                  <a:lnSpc>
+                    <a:spcPct val="90000"/>
+                  </a:lnSpc>
+                  <a:spcBef>
+                    <a:spcPts val="500"/>
+                  </a:spcBef>
+                  <a:buFont typeface="Arial" panose="020B0604020202020204" pitchFamily="34" charset="0"/>
+                  <a:buChar char="•"/>
+                  <a:defRPr sz="1800" kern="1200">
+                    <a:solidFill>
+                      <a:schemeClr val="tx1"/>
+                    </a:solidFill>
+                    <a:latin typeface="+mn-lt"/>
+                    <a:ea typeface="+mn-ea"/>
+                    <a:cs typeface="+mn-cs"/>
+                  </a:defRPr>
+                </a:lvl8pPr>
+                <a:lvl9pPr marL="3886200" indent="-228600" algn="l" defTabSz="914400" rtl="0" eaLnBrk="1" latinLnBrk="0" hangingPunct="1">
+                  <a:lnSpc>
+                    <a:spcPct val="90000"/>
+                  </a:lnSpc>
+                  <a:spcBef>
+                    <a:spcPts val="500"/>
+                  </a:spcBef>
+                  <a:buFont typeface="Arial" panose="020B0604020202020204" pitchFamily="34" charset="0"/>
+                  <a:buChar char="•"/>
+                  <a:defRPr sz="1800" kern="1200">
+                    <a:solidFill>
+                      <a:schemeClr val="tx1"/>
+                    </a:solidFill>
+                    <a:latin typeface="+mn-lt"/>
+                    <a:ea typeface="+mn-ea"/>
+                    <a:cs typeface="+mn-cs"/>
+                  </a:defRPr>
+                </a:lvl9pPr>
+              </a:lstStyle>
+              <a:p>
+                <a:r>
+                  <a:rPr lang="en-US" sz="2400" dirty="0"/>
+                  <a:t>non-stationary </a:t>
+                </a:r>
+                <a:r>
+                  <a:rPr lang="en-US" sz="2400" b="1" dirty="0">
+                    <a:solidFill>
+                      <a:schemeClr val="accent2"/>
+                    </a:solidFill>
+                  </a:rPr>
+                  <a:t>mean</a:t>
+                </a:r>
+                <a:r>
+                  <a:rPr lang="en-US" sz="2400" dirty="0"/>
+                  <a:t> firing rate &amp; noise (</a:t>
+                </a:r>
+                <a:r>
+                  <a:rPr lang="en-US" sz="2400" b="1" dirty="0">
+                    <a:solidFill>
+                      <a:schemeClr val="accent1"/>
+                    </a:solidFill>
+                  </a:rPr>
+                  <a:t>variance</a:t>
+                </a:r>
+                <a:r>
+                  <a:rPr lang="en-US" sz="2400" dirty="0"/>
+                  <a:t>)</a:t>
+                </a:r>
+              </a:p>
+              <a:p>
+                <a:r>
+                  <a:rPr lang="en-US" sz="2400" dirty="0"/>
+                  <a:t>Change in </a:t>
+                </a:r>
+                <a:r>
+                  <a:rPr lang="en-US" sz="2400" b="1" dirty="0">
+                    <a:solidFill>
+                      <a:schemeClr val="accent2"/>
+                    </a:solidFill>
+                  </a:rPr>
+                  <a:t>mean</a:t>
+                </a:r>
+                <a:r>
+                  <a:rPr lang="en-US" sz="2400" dirty="0"/>
+                  <a:t> &amp; </a:t>
+                </a:r>
+                <a:r>
+                  <a:rPr lang="en-US" sz="2400" b="1">
+                    <a:solidFill>
+                      <a:schemeClr val="accent1"/>
+                    </a:solidFill>
+                  </a:rPr>
+                  <a:t>variance</a:t>
+                </a:r>
+                <a:r>
+                  <a:rPr lang="en-US" sz="2400"/>
+                  <a:t> contain </a:t>
+                </a:r>
+                <a:r>
+                  <a:rPr lang="en-US" sz="2400" dirty="0"/>
+                  <a:t>information</a:t>
+                </a:r>
+              </a:p>
+              <a:p>
+                <a:r>
+                  <a:rPr lang="en-US" sz="2400" dirty="0"/>
+                  <a:t>Non-Poisson: </a:t>
+                </a:r>
+                <a:r>
+                  <a:rPr lang="en-US" sz="2400" b="1" dirty="0">
+                    <a:solidFill>
+                      <a:schemeClr val="accent2"/>
+                    </a:solidFill>
+                  </a:rPr>
+                  <a:t>mean</a:t>
+                </a:r>
+                <a:r>
+                  <a:rPr lang="en-US" sz="2400" dirty="0"/>
+                  <a:t> </a:t>
+                </a:r>
+                <a14:m>
+                  <m:oMath xmlns:m="http://schemas.openxmlformats.org/officeDocument/2006/math">
+                    <m:r>
+                      <a:rPr lang="en-US" sz="2400" b="0" i="1" smtClean="0">
+                        <a:latin typeface="Cambria Math" panose="02040503050406030204" pitchFamily="18" charset="0"/>
+                      </a:rPr>
+                      <m:t>≠</m:t>
+                    </m:r>
+                  </m:oMath>
+                </a14:m>
+                <a:r>
+                  <a:rPr lang="en-US" sz="2400" dirty="0"/>
+                  <a:t> </a:t>
+                </a:r>
+                <a:r>
+                  <a:rPr lang="en-US" sz="2400" b="1" dirty="0">
+                    <a:solidFill>
+                      <a:schemeClr val="accent1"/>
+                    </a:solidFill>
+                  </a:rPr>
+                  <a:t>var</a:t>
+                </a:r>
+              </a:p>
+              <a:p>
+                <a:r>
+                  <a:rPr lang="en-US" sz="2400" b="1" dirty="0"/>
+                  <a:t>track time-varying </a:t>
+                </a:r>
+                <a:r>
+                  <a:rPr lang="en-US" sz="2400" b="1" dirty="0">
+                    <a:solidFill>
+                      <a:schemeClr val="accent2"/>
+                    </a:solidFill>
+                  </a:rPr>
+                  <a:t>mean</a:t>
+                </a:r>
+                <a:r>
+                  <a:rPr lang="en-US" sz="2400" b="1" dirty="0"/>
+                  <a:t> and </a:t>
+                </a:r>
+                <a:r>
+                  <a:rPr lang="en-US" sz="2400" b="1" dirty="0">
+                    <a:solidFill>
+                      <a:schemeClr val="accent1"/>
+                    </a:solidFill>
+                  </a:rPr>
+                  <a:t>variance</a:t>
+                </a:r>
+                <a:r>
+                  <a:rPr lang="en-US" sz="2400" b="1" dirty="0"/>
+                  <a:t> simultaneously, with flexible dispersion. </a:t>
+                </a:r>
+              </a:p>
+            </p:txBody>
+          </p:sp>
+        </mc:Choice>
+        <mc:Fallback xmlns="">
+          <p:sp>
+            <p:nvSpPr>
+              <p:cNvPr id="8" name="Content Placeholder 2">
+                <a:extLst>
+                  <a:ext uri="{FF2B5EF4-FFF2-40B4-BE49-F238E27FC236}">
+                    <a16:creationId xmlns:a16="http://schemas.microsoft.com/office/drawing/2014/main" id="{91513014-1AA2-4608-9AC3-6007C61B44A2}"/>
+                  </a:ext>
+                </a:extLst>
+              </p:cNvPr>
+              <p:cNvSpPr txBox="1">
+                <a:spLocks noRot="1" noChangeAspect="1" noMove="1" noResize="1" noEditPoints="1" noAdjustHandles="1" noChangeArrowheads="1" noChangeShapeType="1" noTextEdit="1"/>
+              </p:cNvSpPr>
+              <p:nvPr/>
+            </p:nvSpPr>
+            <p:spPr>
+              <a:xfrm>
+                <a:off x="7450650" y="1690686"/>
+                <a:ext cx="3903150" cy="4351338"/>
+              </a:xfrm>
+              <a:prstGeom prst="rect">
+                <a:avLst/>
+              </a:prstGeom>
+              <a:blipFill>
+                <a:blip r:embed="rId5"/>
+                <a:stretch>
+                  <a:fillRect l="-2028" t="-1961" r="-624"/>
+                </a:stretch>
+              </a:blipFill>
+            </p:spPr>
+            <p:txBody>
+              <a:bodyPr/>
+              <a:lstStyle/>
+              <a:p>
+                <a:r>
+                  <a:rPr lang="en-US">
+                    <a:noFill/>
+                  </a:rPr>
+                  <a:t> </a:t>
+                </a:r>
+              </a:p>
+            </p:txBody>
+          </p:sp>
+        </mc:Fallback>
+      </mc:AlternateContent>
       <p:pic>
         <p:nvPicPr>
-          <p:cNvPr id="11" name="Picture 10">
-            <a:extLst>
-              <a:ext uri="{FF2B5EF4-FFF2-40B4-BE49-F238E27FC236}">
-                <a16:creationId xmlns:a16="http://schemas.microsoft.com/office/drawing/2014/main" id="{F4C6D079-B802-43C7-8E75-D39DFA705E8A}"/>
+          <p:cNvPr id="5" name="Picture 4">
+            <a:extLst>
+              <a:ext uri="{FF2B5EF4-FFF2-40B4-BE49-F238E27FC236}">
+                <a16:creationId xmlns:a16="http://schemas.microsoft.com/office/drawing/2014/main" id="{7AF6EBBE-6448-4FBF-8488-C23D0270A8FE}"/>
               </a:ext>
             </a:extLst>
           </p:cNvPr>
@@ -3794,338 +4643,25 @@
           <p:nvPr/>
         </p:nvPicPr>
         <p:blipFill>
-          <a:blip r:embed="rId5"/>
+          <a:blip r:embed="rId6"/>
           <a:stretch>
             <a:fillRect/>
           </a:stretch>
         </p:blipFill>
         <p:spPr>
           <a:xfrm>
-            <a:off x="4442889" y="3851528"/>
-            <a:ext cx="3604688" cy="2704847"/>
+            <a:off x="413499" y="1497724"/>
+            <a:ext cx="3797859" cy="2848394"/>
           </a:xfrm>
           <a:prstGeom prst="rect">
             <a:avLst/>
           </a:prstGeom>
         </p:spPr>
       </p:pic>
-      <p:sp>
-        <p:nvSpPr>
-          <p:cNvPr id="13" name="Content Placeholder 2">
-            <a:extLst>
-              <a:ext uri="{FF2B5EF4-FFF2-40B4-BE49-F238E27FC236}">
-                <a16:creationId xmlns:a16="http://schemas.microsoft.com/office/drawing/2014/main" id="{81A1F00F-7C93-417B-A8A3-02ADAE490C44}"/>
-              </a:ext>
-            </a:extLst>
-          </p:cNvPr>
-          <p:cNvSpPr txBox="1">
-            <a:spLocks/>
-          </p:cNvSpPr>
-          <p:nvPr/>
-        </p:nvSpPr>
-        <p:spPr>
-          <a:xfrm>
-            <a:off x="8047574" y="1875885"/>
-            <a:ext cx="3903150" cy="4351338"/>
-          </a:xfrm>
-          <a:prstGeom prst="rect">
-            <a:avLst/>
-          </a:prstGeom>
-        </p:spPr>
-        <p:txBody>
-          <a:bodyPr vert="horz" lIns="91440" tIns="45720" rIns="91440" bIns="45720" rtlCol="0">
-            <a:normAutofit/>
-          </a:bodyPr>
-          <a:lstStyle>
-            <a:lvl1pPr marL="228600" indent="-228600" algn="l" defTabSz="914400" rtl="0" eaLnBrk="1" latinLnBrk="0" hangingPunct="1">
-              <a:lnSpc>
-                <a:spcPct val="90000"/>
-              </a:lnSpc>
-              <a:spcBef>
-                <a:spcPts val="1000"/>
-              </a:spcBef>
-              <a:buFont typeface="Arial" panose="020B0604020202020204" pitchFamily="34" charset="0"/>
-              <a:buChar char="•"/>
-              <a:defRPr sz="2800" kern="1200">
-                <a:solidFill>
-                  <a:schemeClr val="tx1"/>
-                </a:solidFill>
-                <a:latin typeface="+mn-lt"/>
-                <a:ea typeface="+mn-ea"/>
-                <a:cs typeface="+mn-cs"/>
-              </a:defRPr>
-            </a:lvl1pPr>
-            <a:lvl2pPr marL="685800" indent="-228600" algn="l" defTabSz="914400" rtl="0" eaLnBrk="1" latinLnBrk="0" hangingPunct="1">
-              <a:lnSpc>
-                <a:spcPct val="90000"/>
-              </a:lnSpc>
-              <a:spcBef>
-                <a:spcPts val="500"/>
-              </a:spcBef>
-              <a:buFont typeface="Arial" panose="020B0604020202020204" pitchFamily="34" charset="0"/>
-              <a:buChar char="•"/>
-              <a:defRPr sz="2400" kern="1200">
-                <a:solidFill>
-                  <a:schemeClr val="tx1"/>
-                </a:solidFill>
-                <a:latin typeface="+mn-lt"/>
-                <a:ea typeface="+mn-ea"/>
-                <a:cs typeface="+mn-cs"/>
-              </a:defRPr>
-            </a:lvl2pPr>
-            <a:lvl3pPr marL="1143000" indent="-228600" algn="l" defTabSz="914400" rtl="0" eaLnBrk="1" latinLnBrk="0" hangingPunct="1">
-              <a:lnSpc>
-                <a:spcPct val="90000"/>
-              </a:lnSpc>
-              <a:spcBef>
-                <a:spcPts val="500"/>
-              </a:spcBef>
-              <a:buFont typeface="Arial" panose="020B0604020202020204" pitchFamily="34" charset="0"/>
-              <a:buChar char="•"/>
-              <a:defRPr sz="2000" kern="1200">
-                <a:solidFill>
-                  <a:schemeClr val="tx1"/>
-                </a:solidFill>
-                <a:latin typeface="+mn-lt"/>
-                <a:ea typeface="+mn-ea"/>
-                <a:cs typeface="+mn-cs"/>
-              </a:defRPr>
-            </a:lvl3pPr>
-            <a:lvl4pPr marL="1600200" indent="-228600" algn="l" defTabSz="914400" rtl="0" eaLnBrk="1" latinLnBrk="0" hangingPunct="1">
-              <a:lnSpc>
-                <a:spcPct val="90000"/>
-              </a:lnSpc>
-              <a:spcBef>
-                <a:spcPts val="500"/>
-              </a:spcBef>
-              <a:buFont typeface="Arial" panose="020B0604020202020204" pitchFamily="34" charset="0"/>
-              <a:buChar char="•"/>
-              <a:defRPr sz="1800" kern="1200">
-                <a:solidFill>
-                  <a:schemeClr val="tx1"/>
-                </a:solidFill>
-                <a:latin typeface="+mn-lt"/>
-                <a:ea typeface="+mn-ea"/>
-                <a:cs typeface="+mn-cs"/>
-              </a:defRPr>
-            </a:lvl4pPr>
-            <a:lvl5pPr marL="2057400" indent="-228600" algn="l" defTabSz="914400" rtl="0" eaLnBrk="1" latinLnBrk="0" hangingPunct="1">
-              <a:lnSpc>
-                <a:spcPct val="90000"/>
-              </a:lnSpc>
-              <a:spcBef>
-                <a:spcPts val="500"/>
-              </a:spcBef>
-              <a:buFont typeface="Arial" panose="020B0604020202020204" pitchFamily="34" charset="0"/>
-              <a:buChar char="•"/>
-              <a:defRPr sz="1800" kern="1200">
-                <a:solidFill>
-                  <a:schemeClr val="tx1"/>
-                </a:solidFill>
-                <a:latin typeface="+mn-lt"/>
-                <a:ea typeface="+mn-ea"/>
-                <a:cs typeface="+mn-cs"/>
-              </a:defRPr>
-            </a:lvl5pPr>
-            <a:lvl6pPr marL="2514600" indent="-228600" algn="l" defTabSz="914400" rtl="0" eaLnBrk="1" latinLnBrk="0" hangingPunct="1">
-              <a:lnSpc>
-                <a:spcPct val="90000"/>
-              </a:lnSpc>
-              <a:spcBef>
-                <a:spcPts val="500"/>
-              </a:spcBef>
-              <a:buFont typeface="Arial" panose="020B0604020202020204" pitchFamily="34" charset="0"/>
-              <a:buChar char="•"/>
-              <a:defRPr sz="1800" kern="1200">
-                <a:solidFill>
-                  <a:schemeClr val="tx1"/>
-                </a:solidFill>
-                <a:latin typeface="+mn-lt"/>
-                <a:ea typeface="+mn-ea"/>
-                <a:cs typeface="+mn-cs"/>
-              </a:defRPr>
-            </a:lvl6pPr>
-            <a:lvl7pPr marL="2971800" indent="-228600" algn="l" defTabSz="914400" rtl="0" eaLnBrk="1" latinLnBrk="0" hangingPunct="1">
-              <a:lnSpc>
-                <a:spcPct val="90000"/>
-              </a:lnSpc>
-              <a:spcBef>
-                <a:spcPts val="500"/>
-              </a:spcBef>
-              <a:buFont typeface="Arial" panose="020B0604020202020204" pitchFamily="34" charset="0"/>
-              <a:buChar char="•"/>
-              <a:defRPr sz="1800" kern="1200">
-                <a:solidFill>
-                  <a:schemeClr val="tx1"/>
-                </a:solidFill>
-                <a:latin typeface="+mn-lt"/>
-                <a:ea typeface="+mn-ea"/>
-                <a:cs typeface="+mn-cs"/>
-              </a:defRPr>
-            </a:lvl7pPr>
-            <a:lvl8pPr marL="3429000" indent="-228600" algn="l" defTabSz="914400" rtl="0" eaLnBrk="1" latinLnBrk="0" hangingPunct="1">
-              <a:lnSpc>
-                <a:spcPct val="90000"/>
-              </a:lnSpc>
-              <a:spcBef>
-                <a:spcPts val="500"/>
-              </a:spcBef>
-              <a:buFont typeface="Arial" panose="020B0604020202020204" pitchFamily="34" charset="0"/>
-              <a:buChar char="•"/>
-              <a:defRPr sz="1800" kern="1200">
-                <a:solidFill>
-                  <a:schemeClr val="tx1"/>
-                </a:solidFill>
-                <a:latin typeface="+mn-lt"/>
-                <a:ea typeface="+mn-ea"/>
-                <a:cs typeface="+mn-cs"/>
-              </a:defRPr>
-            </a:lvl8pPr>
-            <a:lvl9pPr marL="3886200" indent="-228600" algn="l" defTabSz="914400" rtl="0" eaLnBrk="1" latinLnBrk="0" hangingPunct="1">
-              <a:lnSpc>
-                <a:spcPct val="90000"/>
-              </a:lnSpc>
-              <a:spcBef>
-                <a:spcPts val="500"/>
-              </a:spcBef>
-              <a:buFont typeface="Arial" panose="020B0604020202020204" pitchFamily="34" charset="0"/>
-              <a:buChar char="•"/>
-              <a:defRPr sz="1800" kern="1200">
-                <a:solidFill>
-                  <a:schemeClr val="tx1"/>
-                </a:solidFill>
-                <a:latin typeface="+mn-lt"/>
-                <a:ea typeface="+mn-ea"/>
-                <a:cs typeface="+mn-cs"/>
-              </a:defRPr>
-            </a:lvl9pPr>
-          </a:lstStyle>
-          <a:p>
-            <a:r>
-              <a:rPr lang="en-US" sz="2400" dirty="0"/>
-              <a:t>non-stationary </a:t>
-            </a:r>
-            <a:r>
-              <a:rPr lang="en-US" sz="2400" b="1" dirty="0">
-                <a:solidFill>
-                  <a:schemeClr val="accent2"/>
-                </a:solidFill>
-              </a:rPr>
-              <a:t>mean</a:t>
-            </a:r>
-            <a:r>
-              <a:rPr lang="en-US" sz="2400" dirty="0"/>
-              <a:t> firing rate &amp; noise (</a:t>
-            </a:r>
-            <a:r>
-              <a:rPr lang="en-US" sz="2400" b="1" dirty="0">
-                <a:solidFill>
-                  <a:schemeClr val="accent1"/>
-                </a:solidFill>
-              </a:rPr>
-              <a:t>variance</a:t>
-            </a:r>
-            <a:r>
-              <a:rPr lang="en-US" sz="2400" dirty="0"/>
-              <a:t>)</a:t>
-            </a:r>
-          </a:p>
-          <a:p>
-            <a:r>
-              <a:rPr lang="en-US" sz="2400" dirty="0"/>
-              <a:t>Change in </a:t>
-            </a:r>
-            <a:r>
-              <a:rPr lang="en-US" sz="2400" b="1" dirty="0">
-                <a:solidFill>
-                  <a:schemeClr val="accent2"/>
-                </a:solidFill>
-              </a:rPr>
-              <a:t>mean</a:t>
-            </a:r>
-            <a:r>
-              <a:rPr lang="en-US" sz="2400" dirty="0"/>
-              <a:t> &amp; </a:t>
-            </a:r>
-            <a:r>
-              <a:rPr lang="en-US" sz="2400" b="1" dirty="0">
-                <a:solidFill>
-                  <a:schemeClr val="accent1"/>
-                </a:solidFill>
-              </a:rPr>
-              <a:t>variance</a:t>
-            </a:r>
-            <a:r>
-              <a:rPr lang="en-US" sz="2400" dirty="0"/>
-              <a:t> contains information</a:t>
-            </a:r>
-          </a:p>
-          <a:p>
-            <a:r>
-              <a:rPr lang="en-US" sz="2400" dirty="0"/>
-              <a:t>Poisson: </a:t>
-            </a:r>
-            <a:r>
-              <a:rPr lang="en-US" sz="2400" b="1" dirty="0">
-                <a:solidFill>
-                  <a:schemeClr val="accent2"/>
-                </a:solidFill>
-              </a:rPr>
-              <a:t>mean</a:t>
-            </a:r>
-            <a:r>
-              <a:rPr lang="en-US" sz="2400" dirty="0"/>
-              <a:t> = </a:t>
-            </a:r>
-            <a:r>
-              <a:rPr lang="en-US" sz="2400" b="1" dirty="0">
-                <a:solidFill>
-                  <a:schemeClr val="accent1"/>
-                </a:solidFill>
-              </a:rPr>
-              <a:t>var</a:t>
-            </a:r>
-            <a:r>
-              <a:rPr lang="en-US" sz="2400" dirty="0"/>
-              <a:t>, inappropriate </a:t>
-            </a:r>
-          </a:p>
-          <a:p>
-            <a:r>
-              <a:rPr lang="en-US" sz="2400" b="1" dirty="0"/>
-              <a:t>track time-varying </a:t>
-            </a:r>
-            <a:r>
-              <a:rPr lang="en-US" sz="2400" b="1" dirty="0">
-                <a:solidFill>
-                  <a:schemeClr val="accent2"/>
-                </a:solidFill>
-              </a:rPr>
-              <a:t>mean</a:t>
-            </a:r>
-            <a:r>
-              <a:rPr lang="en-US" sz="2400" b="1" dirty="0"/>
-              <a:t> and </a:t>
-            </a:r>
-            <a:r>
-              <a:rPr lang="en-US" sz="2400" b="1" dirty="0">
-                <a:solidFill>
-                  <a:schemeClr val="accent1"/>
-                </a:solidFill>
-              </a:rPr>
-              <a:t>variance</a:t>
-            </a:r>
-            <a:r>
-              <a:rPr lang="en-US" sz="2400" b="1" dirty="0"/>
-              <a:t> simultaneously. </a:t>
-            </a:r>
-          </a:p>
-        </p:txBody>
-      </p:sp>
     </p:spTree>
     <p:extLst>
       <p:ext uri="{BB962C8B-B14F-4D97-AF65-F5344CB8AC3E}">
-        <p14:creationId xmlns:p14="http://schemas.microsoft.com/office/powerpoint/2010/main" val="1550743936"/>
+        <p14:creationId xmlns:p14="http://schemas.microsoft.com/office/powerpoint/2010/main" val="466798642"/>
       </p:ext>
     </p:extLst>
   </p:cSld>
@@ -4135,7 +4671,7 @@
 </p:sld>
 </file>
 
-<file path=ppt/slides/slide3.xml><?xml version="1.0" encoding="utf-8"?>
+<file path=ppt/slides/slide4.xml><?xml version="1.0" encoding="utf-8"?>
 <p:sld xmlns:a="http://schemas.openxmlformats.org/drawingml/2006/main" xmlns:r="http://schemas.openxmlformats.org/officeDocument/2006/relationships" xmlns:p="http://schemas.openxmlformats.org/presentationml/2006/main">
   <p:cSld>
     <p:spTree>
@@ -4940,28 +5476,8 @@
                   <a:t>Joint model of </a:t>
                 </a:r>
                 <a:r>
-                  <a:rPr lang="en-US" b="1" dirty="0">
-                    <a:solidFill>
-                      <a:schemeClr val="accent2"/>
-                    </a:solidFill>
-                  </a:rPr>
-                  <a:t>mean</a:t>
-                </a:r>
-                <a:r>
-                  <a:rPr lang="en-US" b="1" dirty="0">
-                    <a:solidFill>
-                      <a:prstClr val="black"/>
-                    </a:solidFill>
-                  </a:rPr>
-                  <a:t> and </a:t>
-                </a:r>
-                <a:r>
-                  <a:rPr lang="en-US" b="1" dirty="0">
-                    <a:solidFill>
-                      <a:schemeClr val="accent1"/>
-                    </a:solidFill>
-                  </a:rPr>
-                  <a:t>variance</a:t>
+                  <a:rPr lang="en-US" b="1" dirty="0"/>
+                  <a:t>two parameters</a:t>
                 </a:r>
                 <a:r>
                   <a:rPr lang="en-US" dirty="0">
@@ -5211,7 +5727,7 @@
 </p:sld>
 </file>
 
-<file path=ppt/slides/slide4.xml><?xml version="1.0" encoding="utf-8"?>
+<file path=ppt/slides/slide5.xml><?xml version="1.0" encoding="utf-8"?>
 <p:sld xmlns:a="http://schemas.openxmlformats.org/drawingml/2006/main" xmlns:r="http://schemas.openxmlformats.org/officeDocument/2006/relationships" xmlns:p="http://schemas.openxmlformats.org/presentationml/2006/main">
   <p:cSld>
     <p:spTree>
@@ -5256,8 +5772,8 @@
           </a:p>
         </p:txBody>
       </p:sp>
-      <mc:AlternateContent xmlns:mc="http://schemas.openxmlformats.org/markup-compatibility/2006" xmlns:a14="http://schemas.microsoft.com/office/drawing/2010/main">
-        <mc:Choice Requires="a14">
+      <mc:AlternateContent xmlns:mc="http://schemas.openxmlformats.org/markup-compatibility/2006">
+        <mc:Choice xmlns:a14="http://schemas.microsoft.com/office/drawing/2010/main" Requires="a14">
           <p:sp>
             <p:nvSpPr>
               <p:cNvPr id="3" name="Content Placeholder 2">
@@ -5277,27 +5793,13 @@
             <p:spPr/>
             <p:txBody>
               <a:bodyPr>
-                <a:normAutofit fontScale="85000" lnSpcReduction="20000"/>
+                <a:normAutofit fontScale="85000" lnSpcReduction="10000"/>
               </a:bodyPr>
               <a:lstStyle/>
               <a:p>
                 <a:r>
                   <a:rPr lang="en-US" dirty="0"/>
-                  <a:t>Approximate the CMP likelihood (</a:t>
-                </a:r>
-                <a14:m>
-                  <m:oMath xmlns:m="http://schemas.openxmlformats.org/officeDocument/2006/math">
-                    <m:r>
-                      <a:rPr lang="en-US" b="0" i="1" smtClean="0">
-                        <a:latin typeface="Cambria Math" panose="02040503050406030204" pitchFamily="18" charset="0"/>
-                      </a:rPr>
-                      <m:t>𝑙</m:t>
-                    </m:r>
-                  </m:oMath>
-                </a14:m>
-                <a:r>
-                  <a:rPr lang="en-US" dirty="0"/>
-                  <a:t>) by normal distribution (Laplace approximation)</a:t>
+                  <a:t>Approximate the posterior by normal distribution (Laplace approximation) </a:t>
                 </a:r>
               </a:p>
               <a:p>
@@ -5307,10 +5809,42 @@
                 </a:r>
               </a:p>
               <a:p>
-                <a:pPr lvl="1"/>
                 <a:r>
                   <a:rPr lang="en-US" dirty="0"/>
-                  <a:t>step k: </a:t>
+                  <a:t>Step k, </a:t>
+                </a:r>
+                <a14:m>
+                  <m:oMath xmlns:m="http://schemas.openxmlformats.org/officeDocument/2006/math">
+                    <m:sSup>
+                      <m:sSupPr>
+                        <m:ctrlPr>
+                          <a:rPr lang="en-US" i="1" dirty="0">
+                            <a:latin typeface="Cambria Math" panose="02040503050406030204" pitchFamily="18" charset="0"/>
+                          </a:rPr>
+                        </m:ctrlPr>
+                      </m:sSupPr>
+                      <m:e>
+                        <m:r>
+                          <a:rPr lang="en-US" i="1" dirty="0">
+                            <a:latin typeface="Cambria Math" panose="02040503050406030204" pitchFamily="18" charset="0"/>
+                          </a:rPr>
+                          <m:t>𝑖</m:t>
+                        </m:r>
+                      </m:e>
+                      <m:sup>
+                        <m:r>
+                          <a:rPr lang="en-US" i="1" dirty="0">
+                            <a:latin typeface="Cambria Math" panose="02040503050406030204" pitchFamily="18" charset="0"/>
+                          </a:rPr>
+                          <m:t>𝑡h</m:t>
+                        </m:r>
+                      </m:sup>
+                    </m:sSup>
+                  </m:oMath>
+                </a14:m>
+                <a:r>
+                  <a:rPr lang="en-US" dirty="0"/>
+                  <a:t> neuron: </a:t>
                 </a:r>
                 <a14:m>
                   <m:oMath xmlns:m="http://schemas.openxmlformats.org/officeDocument/2006/math">
@@ -5507,51 +6041,8 @@
                                     </a:solidFill>
                                     <a:latin typeface="Cambria Math" panose="02040503050406030204" pitchFamily="18" charset="0"/>
                                   </a:rPr>
-                                  <m:t>𝑘</m:t>
+                                  <m:t>𝑘𝑖</m:t>
                                 </m:r>
-                                <m:r>
-                                  <a:rPr lang="en-US" i="1">
-                                    <a:solidFill>
-                                      <a:prstClr val="black"/>
-                                    </a:solidFill>
-                                    <a:latin typeface="Cambria Math" panose="02040503050406030204" pitchFamily="18" charset="0"/>
-                                  </a:rPr>
-                                  <m:t>,</m:t>
-                                </m:r>
-                                <m:sSub>
-                                  <m:sSubPr>
-                                    <m:ctrlPr>
-                                      <a:rPr lang="en-US" i="1">
-                                        <a:solidFill>
-                                          <a:prstClr val="black"/>
-                                        </a:solidFill>
-                                        <a:latin typeface="Cambria Math" panose="02040503050406030204" pitchFamily="18" charset="0"/>
-                                      </a:rPr>
-                                    </m:ctrlPr>
-                                  </m:sSubPr>
-                                  <m:e>
-                                    <m:r>
-                                      <a:rPr lang="en-US" i="1">
-                                        <a:solidFill>
-                                          <a:prstClr val="black"/>
-                                        </a:solidFill>
-                                        <a:latin typeface="Cambria Math" panose="02040503050406030204" pitchFamily="18" charset="0"/>
-                                      </a:rPr>
-                                      <m:t>𝑛</m:t>
-                                    </m:r>
-                                  </m:e>
-                                  <m:sub>
-                                    <m:r>
-                                      <a:rPr lang="en-US" i="1">
-                                        <a:solidFill>
-                                          <a:prstClr val="black"/>
-                                        </a:solidFill>
-                                        <a:latin typeface="Cambria Math" panose="02040503050406030204" pitchFamily="18" charset="0"/>
-                                      </a:rPr>
-                                      <m:t>𝑘</m:t>
-                                    </m:r>
-                                  </m:sub>
-                                </m:sSub>
                               </m:sub>
                             </m:sSub>
                           </m:e>
@@ -5598,6 +6089,15 @@
                             <a:latin typeface="Cambria Math" panose="02040503050406030204" pitchFamily="18" charset="0"/>
                           </a:rPr>
                           <m:t>𝑘</m:t>
+                        </m:r>
+                        <m:r>
+                          <a:rPr lang="en-US" i="1">
+                            <a:solidFill>
+                              <a:prstClr val="black"/>
+                            </a:solidFill>
+                            <a:latin typeface="Cambria Math" panose="02040503050406030204" pitchFamily="18" charset="0"/>
+                          </a:rPr>
+                          <m:t>𝑖</m:t>
                         </m:r>
                       </m:sub>
                     </m:sSub>
@@ -5724,42 +6224,17 @@
                                     </a:solidFill>
                                     <a:latin typeface="Cambria Math" panose="02040503050406030204" pitchFamily="18" charset="0"/>
                                   </a:rPr>
-                                  <m:t>,</m:t>
+                                  <m:t>𝑖</m:t>
                                 </m:r>
-                                <m:sSub>
-                                  <m:sSubPr>
-                                    <m:ctrlPr>
-                                      <a:rPr lang="en-US" i="1">
-                                        <a:solidFill>
-                                          <a:prstClr val="black"/>
-                                        </a:solidFill>
-                                        <a:latin typeface="Cambria Math" panose="02040503050406030204" pitchFamily="18" charset="0"/>
-                                      </a:rPr>
-                                    </m:ctrlPr>
-                                  </m:sSubPr>
-                                  <m:e>
-                                    <m:r>
-                                      <a:rPr lang="en-US" i="1">
-                                        <a:solidFill>
-                                          <a:prstClr val="black"/>
-                                        </a:solidFill>
-                                        <a:latin typeface="Cambria Math" panose="02040503050406030204" pitchFamily="18" charset="0"/>
-                                      </a:rPr>
-                                      <m:t>𝑛</m:t>
-                                    </m:r>
-                                  </m:e>
-                                  <m:sub>
-                                    <m:r>
-                                      <a:rPr lang="en-US" i="1">
-                                        <a:solidFill>
-                                          <a:prstClr val="black"/>
-                                        </a:solidFill>
-                                        <a:latin typeface="Cambria Math" panose="02040503050406030204" pitchFamily="18" charset="0"/>
-                                      </a:rPr>
-                                      <m:t>𝑘</m:t>
-                                    </m:r>
-                                  </m:sub>
-                                </m:sSub>
+                                <m:r>
+                                  <a:rPr lang="en-US" i="1">
+                                    <a:solidFill>
+                                      <a:prstClr val="black"/>
+                                    </a:solidFill>
+                                    <a:latin typeface="Cambria Math" panose="02040503050406030204" pitchFamily="18" charset="0"/>
+                                  </a:rPr>
+                                  <m:t> </m:t>
+                                </m:r>
                               </m:sub>
                             </m:sSub>
                           </m:e>
@@ -5806,6 +6281,15 @@
                             <a:latin typeface="Cambria Math" panose="02040503050406030204" pitchFamily="18" charset="0"/>
                           </a:rPr>
                           <m:t>𝑘</m:t>
+                        </m:r>
+                        <m:r>
+                          <a:rPr lang="en-US" i="1">
+                            <a:solidFill>
+                              <a:prstClr val="black"/>
+                            </a:solidFill>
+                            <a:latin typeface="Cambria Math" panose="02040503050406030204" pitchFamily="18" charset="0"/>
+                          </a:rPr>
+                          <m:t>𝑖</m:t>
                         </m:r>
                       </m:sub>
                     </m:sSub>
@@ -5860,7 +6344,278 @@
                 <a:pPr lvl="1"/>
                 <a:r>
                   <a:rPr lang="en-US" dirty="0"/>
-                  <a:t>1-step prediction:</a:t>
+                  <a:t>1-step prediction (</a:t>
+                </a:r>
+                <a:r>
+                  <a:rPr lang="en-US" b="0" dirty="0">
+                    <a:effectLst/>
+                  </a:rPr>
+                  <a:t>Prior/ state equation: </a:t>
+                </a:r>
+                <a14:m>
+                  <m:oMath xmlns:m="http://schemas.openxmlformats.org/officeDocument/2006/math">
+                    <m:sSub>
+                      <m:sSubPr>
+                        <m:ctrlPr>
+                          <a:rPr lang="en-US" i="1" smtClean="0">
+                            <a:effectLst/>
+                            <a:latin typeface="Cambria Math" panose="02040503050406030204" pitchFamily="18" charset="0"/>
+                          </a:rPr>
+                        </m:ctrlPr>
+                      </m:sSubPr>
+                      <m:e>
+                        <m:r>
+                          <a:rPr lang="en-US" b="1" i="1">
+                            <a:effectLst/>
+                            <a:latin typeface="Cambria Math" panose="02040503050406030204" pitchFamily="18" charset="0"/>
+                            <a:ea typeface="Songti SC"/>
+                            <a:cs typeface="Times New Roman" panose="02020603050405020304" pitchFamily="18" charset="0"/>
+                          </a:rPr>
+                          <m:t>𝜽</m:t>
+                        </m:r>
+                      </m:e>
+                      <m:sub>
+                        <m:r>
+                          <a:rPr lang="en-US" i="1">
+                            <a:effectLst/>
+                            <a:latin typeface="Cambria Math" panose="02040503050406030204" pitchFamily="18" charset="0"/>
+                            <a:ea typeface="Songti SC"/>
+                            <a:cs typeface="Times New Roman" panose="02020603050405020304" pitchFamily="18" charset="0"/>
+                          </a:rPr>
+                          <m:t>𝑘</m:t>
+                        </m:r>
+                      </m:sub>
+                    </m:sSub>
+                    <m:r>
+                      <a:rPr lang="en-US" i="1">
+                        <a:effectLst/>
+                        <a:latin typeface="Cambria Math" panose="02040503050406030204" pitchFamily="18" charset="0"/>
+                        <a:ea typeface="Songti SC"/>
+                        <a:cs typeface="Times New Roman" panose="02020603050405020304" pitchFamily="18" charset="0"/>
+                      </a:rPr>
+                      <m:t>=</m:t>
+                    </m:r>
+                    <m:sSub>
+                      <m:sSubPr>
+                        <m:ctrlPr>
+                          <a:rPr lang="en-US" i="1">
+                            <a:effectLst/>
+                            <a:latin typeface="Cambria Math" panose="02040503050406030204" pitchFamily="18" charset="0"/>
+                          </a:rPr>
+                        </m:ctrlPr>
+                      </m:sSubPr>
+                      <m:e>
+                        <m:r>
+                          <a:rPr lang="en-US" b="1" i="1">
+                            <a:effectLst/>
+                            <a:latin typeface="Cambria Math" panose="02040503050406030204" pitchFamily="18" charset="0"/>
+                            <a:ea typeface="Songti SC"/>
+                            <a:cs typeface="Times New Roman" panose="02020603050405020304" pitchFamily="18" charset="0"/>
+                          </a:rPr>
+                          <m:t>𝑭</m:t>
+                        </m:r>
+                      </m:e>
+                      <m:sub>
+                        <m:r>
+                          <a:rPr lang="en-US" i="1">
+                            <a:effectLst/>
+                            <a:latin typeface="Cambria Math" panose="02040503050406030204" pitchFamily="18" charset="0"/>
+                            <a:ea typeface="Songti SC"/>
+                            <a:cs typeface="Times New Roman" panose="02020603050405020304" pitchFamily="18" charset="0"/>
+                          </a:rPr>
+                          <m:t>𝑘</m:t>
+                        </m:r>
+                      </m:sub>
+                    </m:sSub>
+                    <m:sSub>
+                      <m:sSubPr>
+                        <m:ctrlPr>
+                          <a:rPr lang="en-US" i="1">
+                            <a:effectLst/>
+                            <a:latin typeface="Cambria Math" panose="02040503050406030204" pitchFamily="18" charset="0"/>
+                          </a:rPr>
+                        </m:ctrlPr>
+                      </m:sSubPr>
+                      <m:e>
+                        <m:r>
+                          <a:rPr lang="en-US" b="1" i="1">
+                            <a:effectLst/>
+                            <a:latin typeface="Cambria Math" panose="02040503050406030204" pitchFamily="18" charset="0"/>
+                            <a:ea typeface="Songti SC"/>
+                            <a:cs typeface="Times New Roman" panose="02020603050405020304" pitchFamily="18" charset="0"/>
+                          </a:rPr>
+                          <m:t>𝜽</m:t>
+                        </m:r>
+                      </m:e>
+                      <m:sub>
+                        <m:r>
+                          <a:rPr lang="en-US" i="1">
+                            <a:effectLst/>
+                            <a:latin typeface="Cambria Math" panose="02040503050406030204" pitchFamily="18" charset="0"/>
+                            <a:ea typeface="Songti SC"/>
+                            <a:cs typeface="Times New Roman" panose="02020603050405020304" pitchFamily="18" charset="0"/>
+                          </a:rPr>
+                          <m:t>𝑘</m:t>
+                        </m:r>
+                        <m:r>
+                          <a:rPr lang="en-US" i="1">
+                            <a:effectLst/>
+                            <a:latin typeface="Cambria Math" panose="02040503050406030204" pitchFamily="18" charset="0"/>
+                            <a:ea typeface="Songti SC"/>
+                            <a:cs typeface="Times New Roman" panose="02020603050405020304" pitchFamily="18" charset="0"/>
+                          </a:rPr>
+                          <m:t>−1</m:t>
+                        </m:r>
+                      </m:sub>
+                    </m:sSub>
+                    <m:r>
+                      <a:rPr lang="en-US" i="1">
+                        <a:effectLst/>
+                        <a:latin typeface="Cambria Math" panose="02040503050406030204" pitchFamily="18" charset="0"/>
+                        <a:ea typeface="Songti SC"/>
+                        <a:cs typeface="Times New Roman" panose="02020603050405020304" pitchFamily="18" charset="0"/>
+                      </a:rPr>
+                      <m:t>+</m:t>
+                    </m:r>
+                    <m:sSub>
+                      <m:sSubPr>
+                        <m:ctrlPr>
+                          <a:rPr lang="en-US" i="1">
+                            <a:effectLst/>
+                            <a:latin typeface="Cambria Math" panose="02040503050406030204" pitchFamily="18" charset="0"/>
+                          </a:rPr>
+                        </m:ctrlPr>
+                      </m:sSubPr>
+                      <m:e>
+                        <m:r>
+                          <a:rPr lang="en-US" b="1" i="1">
+                            <a:effectLst/>
+                            <a:latin typeface="Cambria Math" panose="02040503050406030204" pitchFamily="18" charset="0"/>
+                            <a:ea typeface="Songti SC"/>
+                            <a:cs typeface="Times New Roman" panose="02020603050405020304" pitchFamily="18" charset="0"/>
+                          </a:rPr>
+                          <m:t>𝒘</m:t>
+                        </m:r>
+                      </m:e>
+                      <m:sub>
+                        <m:r>
+                          <a:rPr lang="en-US" i="1">
+                            <a:effectLst/>
+                            <a:latin typeface="Cambria Math" panose="02040503050406030204" pitchFamily="18" charset="0"/>
+                            <a:ea typeface="Songti SC"/>
+                            <a:cs typeface="Times New Roman" panose="02020603050405020304" pitchFamily="18" charset="0"/>
+                          </a:rPr>
+                          <m:t>𝑘</m:t>
+                        </m:r>
+                      </m:sub>
+                    </m:sSub>
+                  </m:oMath>
+                </a14:m>
+                <a:r>
+                  <a:rPr lang="en-US" b="0" dirty="0">
+                    <a:effectLst/>
+                  </a:rPr>
+                  <a:t>,</a:t>
+                </a:r>
+                <a14:m>
+                  <m:oMath xmlns:m="http://schemas.openxmlformats.org/officeDocument/2006/math">
+                    <m:sSub>
+                      <m:sSubPr>
+                        <m:ctrlPr>
+                          <a:rPr lang="en-US" i="1">
+                            <a:latin typeface="Cambria Math" panose="02040503050406030204" pitchFamily="18" charset="0"/>
+                          </a:rPr>
+                        </m:ctrlPr>
+                      </m:sSubPr>
+                      <m:e>
+                        <m:r>
+                          <a:rPr lang="en-US" b="1" i="1">
+                            <a:latin typeface="Cambria Math" panose="02040503050406030204" pitchFamily="18" charset="0"/>
+                            <a:ea typeface="Songti SC"/>
+                            <a:cs typeface="Times New Roman" panose="02020603050405020304" pitchFamily="18" charset="0"/>
+                          </a:rPr>
+                          <m:t>𝒘</m:t>
+                        </m:r>
+                      </m:e>
+                      <m:sub>
+                        <m:r>
+                          <a:rPr lang="en-US" i="1">
+                            <a:latin typeface="Cambria Math" panose="02040503050406030204" pitchFamily="18" charset="0"/>
+                            <a:ea typeface="Songti SC"/>
+                            <a:cs typeface="Times New Roman" panose="02020603050405020304" pitchFamily="18" charset="0"/>
+                          </a:rPr>
+                          <m:t>𝑘</m:t>
+                        </m:r>
+                      </m:sub>
+                    </m:sSub>
+                    <m:r>
+                      <a:rPr lang="en-US" b="0" i="1" smtClean="0">
+                        <a:latin typeface="Cambria Math" panose="02040503050406030204" pitchFamily="18" charset="0"/>
+                        <a:ea typeface="Songti SC"/>
+                        <a:cs typeface="Times New Roman" panose="02020603050405020304" pitchFamily="18" charset="0"/>
+                      </a:rPr>
+                      <m:t>∼</m:t>
+                    </m:r>
+                    <m:r>
+                      <a:rPr lang="en-US" i="1">
+                        <a:latin typeface="Cambria Math" panose="02040503050406030204" pitchFamily="18" charset="0"/>
+                      </a:rPr>
+                      <m:t>𝑁</m:t>
+                    </m:r>
+                    <m:r>
+                      <a:rPr lang="en-US" i="1">
+                        <a:latin typeface="Cambria Math" panose="02040503050406030204" pitchFamily="18" charset="0"/>
+                      </a:rPr>
+                      <m:t>(</m:t>
+                    </m:r>
+                    <m:r>
+                      <a:rPr lang="en-US" b="1" i="1">
+                        <a:latin typeface="Cambria Math" panose="02040503050406030204" pitchFamily="18" charset="0"/>
+                      </a:rPr>
+                      <m:t>𝟎</m:t>
+                    </m:r>
+                    <m:r>
+                      <a:rPr lang="en-US" i="1">
+                        <a:latin typeface="Cambria Math" panose="02040503050406030204" pitchFamily="18" charset="0"/>
+                      </a:rPr>
+                      <m:t>, </m:t>
+                    </m:r>
+                    <m:sSub>
+                      <m:sSubPr>
+                        <m:ctrlPr>
+                          <a:rPr lang="en-US" i="1">
+                            <a:latin typeface="Cambria Math" panose="02040503050406030204" pitchFamily="18" charset="0"/>
+                          </a:rPr>
+                        </m:ctrlPr>
+                      </m:sSubPr>
+                      <m:e>
+                        <m:r>
+                          <a:rPr lang="en-US" b="1" i="1">
+                            <a:latin typeface="Cambria Math" panose="02040503050406030204" pitchFamily="18" charset="0"/>
+                          </a:rPr>
+                          <m:t>𝑸</m:t>
+                        </m:r>
+                      </m:e>
+                      <m:sub>
+                        <m:r>
+                          <a:rPr lang="en-US" i="1">
+                            <a:latin typeface="Cambria Math" panose="02040503050406030204" pitchFamily="18" charset="0"/>
+                          </a:rPr>
+                          <m:t>𝑘</m:t>
+                        </m:r>
+                      </m:sub>
+                    </m:sSub>
+                    <m:r>
+                      <a:rPr lang="en-US" i="1">
+                        <a:latin typeface="Cambria Math" panose="02040503050406030204" pitchFamily="18" charset="0"/>
+                      </a:rPr>
+                      <m:t>)</m:t>
+                    </m:r>
+                  </m:oMath>
+                </a14:m>
+                <a:r>
+                  <a:rPr lang="en-US" dirty="0"/>
+                  <a:t>):</a:t>
                 </a:r>
               </a:p>
               <a:p>
@@ -6413,12 +7168,31 @@
                                     </a:rPr>
                                     <m:t>𝜕</m:t>
                                   </m:r>
-                                  <m:r>
-                                    <a:rPr lang="en-US" i="1">
-                                      <a:latin typeface="Cambria Math" panose="02040503050406030204" pitchFamily="18" charset="0"/>
-                                    </a:rPr>
-                                    <m:t>𝑙</m:t>
-                                  </m:r>
+                                  <m:sSub>
+                                    <m:sSubPr>
+                                      <m:ctrlPr>
+                                        <a:rPr lang="en-US" b="0" i="1" smtClean="0">
+                                          <a:latin typeface="Cambria Math" panose="02040503050406030204" pitchFamily="18" charset="0"/>
+                                        </a:rPr>
+                                      </m:ctrlPr>
+                                    </m:sSubPr>
+                                    <m:e>
+                                      <m:r>
+                                        <a:rPr lang="en-US" i="1">
+                                          <a:latin typeface="Cambria Math" panose="02040503050406030204" pitchFamily="18" charset="0"/>
+                                        </a:rPr>
+                                        <m:t>𝑙</m:t>
+                                      </m:r>
+                                    </m:e>
+                                    <m:sub>
+                                      <m:r>
+                                        <a:rPr lang="en-US" b="0" i="1" smtClean="0">
+                                          <a:latin typeface="Cambria Math" panose="02040503050406030204" pitchFamily="18" charset="0"/>
+                                        </a:rPr>
+                                        <m:t>𝑘</m:t>
+                                      </m:r>
+                                    </m:sub>
+                                  </m:sSub>
                                 </m:num>
                                 <m:den>
                                   <m:r>
@@ -6724,12 +7498,31 @@
                                       </m:r>
                                     </m:sup>
                                   </m:sSup>
-                                  <m:r>
-                                    <a:rPr lang="en-US" i="1">
-                                      <a:latin typeface="Cambria Math" panose="02040503050406030204" pitchFamily="18" charset="0"/>
-                                    </a:rPr>
-                                    <m:t>𝑙</m:t>
-                                  </m:r>
+                                  <m:sSub>
+                                    <m:sSubPr>
+                                      <m:ctrlPr>
+                                        <a:rPr lang="en-US" b="0" i="1" smtClean="0">
+                                          <a:latin typeface="Cambria Math" panose="02040503050406030204" pitchFamily="18" charset="0"/>
+                                        </a:rPr>
+                                      </m:ctrlPr>
+                                    </m:sSubPr>
+                                    <m:e>
+                                      <m:r>
+                                        <a:rPr lang="en-US" i="1">
+                                          <a:latin typeface="Cambria Math" panose="02040503050406030204" pitchFamily="18" charset="0"/>
+                                        </a:rPr>
+                                        <m:t>𝑙</m:t>
+                                      </m:r>
+                                    </m:e>
+                                    <m:sub>
+                                      <m:r>
+                                        <a:rPr lang="en-US" b="0" i="1" smtClean="0">
+                                          <a:latin typeface="Cambria Math" panose="02040503050406030204" pitchFamily="18" charset="0"/>
+                                        </a:rPr>
+                                        <m:t>𝑘</m:t>
+                                      </m:r>
+                                    </m:sub>
+                                  </m:sSub>
                                 </m:num>
                                 <m:den>
                                   <m:r>
@@ -6868,7 +7661,7 @@
             </p:txBody>
           </p:sp>
         </mc:Choice>
-        <mc:Fallback xmlns="">
+        <mc:Fallback>
           <p:sp>
             <p:nvSpPr>
               <p:cNvPr id="3" name="Content Placeholder 2">
@@ -6889,7 +7682,7 @@
               <a:blipFill>
                 <a:blip r:embed="rId2"/>
                 <a:stretch>
-                  <a:fillRect l="-812" t="-3221" b="-1401"/>
+                  <a:fillRect l="-812" t="-2661" b="-1821"/>
                 </a:stretch>
               </a:blipFill>
             </p:spPr>
@@ -6921,217 +7714,6 @@
 </p:sld>
 </file>
 
-<file path=ppt/slides/slide5.xml><?xml version="1.0" encoding="utf-8"?>
-<p:sld xmlns:a="http://schemas.openxmlformats.org/drawingml/2006/main" xmlns:r="http://schemas.openxmlformats.org/officeDocument/2006/relationships" xmlns:p="http://schemas.openxmlformats.org/presentationml/2006/main">
-  <p:cSld>
-    <p:spTree>
-      <p:nvGrpSpPr>
-        <p:cNvPr id="1" name=""/>
-        <p:cNvGrpSpPr/>
-        <p:nvPr/>
-      </p:nvGrpSpPr>
-      <p:grpSpPr>
-        <a:xfrm>
-          <a:off x="0" y="0"/>
-          <a:ext cx="0" cy="0"/>
-          <a:chOff x="0" y="0"/>
-          <a:chExt cx="0" cy="0"/>
-        </a:xfrm>
-      </p:grpSpPr>
-      <p:sp>
-        <p:nvSpPr>
-          <p:cNvPr id="2" name="Title 1">
-            <a:extLst>
-              <a:ext uri="{FF2B5EF4-FFF2-40B4-BE49-F238E27FC236}">
-                <a16:creationId xmlns:a16="http://schemas.microsoft.com/office/drawing/2014/main" id="{326ED190-CFBE-49FF-B486-8D195C1B2B99}"/>
-              </a:ext>
-            </a:extLst>
-          </p:cNvPr>
-          <p:cNvSpPr>
-            <a:spLocks noGrp="1"/>
-          </p:cNvSpPr>
-          <p:nvPr>
-            <p:ph type="title"/>
-          </p:nvPr>
-        </p:nvSpPr>
-        <p:spPr/>
-        <p:txBody>
-          <a:bodyPr/>
-          <a:lstStyle/>
-          <a:p>
-            <a:r>
-              <a:rPr lang="en-US"/>
-              <a:t>Simulation</a:t>
-            </a:r>
-            <a:endParaRPr lang="en-US" b="1" dirty="0">
-              <a:highlight>
-                <a:srgbClr val="FFFF00"/>
-              </a:highlight>
-            </a:endParaRPr>
-          </a:p>
-        </p:txBody>
-      </p:sp>
-      <p:pic>
-        <p:nvPicPr>
-          <p:cNvPr id="4" name="Picture 3">
-            <a:extLst>
-              <a:ext uri="{FF2B5EF4-FFF2-40B4-BE49-F238E27FC236}">
-                <a16:creationId xmlns:a16="http://schemas.microsoft.com/office/drawing/2014/main" id="{8406B7B5-D5F6-4213-97DB-E72B1E6F3074}"/>
-              </a:ext>
-            </a:extLst>
-          </p:cNvPr>
-          <p:cNvPicPr/>
-          <p:nvPr/>
-        </p:nvPicPr>
-        <p:blipFill>
-          <a:blip r:embed="rId2">
-            <a:extLst>
-              <a:ext uri="{28A0092B-C50C-407E-A947-70E740481C1C}">
-                <a14:useLocalDpi xmlns:a14="http://schemas.microsoft.com/office/drawing/2010/main" val="0"/>
-              </a:ext>
-            </a:extLst>
-          </a:blip>
-          <a:srcRect/>
-          <a:stretch>
-            <a:fillRect/>
-          </a:stretch>
-        </p:blipFill>
-        <p:spPr bwMode="auto">
-          <a:xfrm>
-            <a:off x="437734" y="1694895"/>
-            <a:ext cx="5657850" cy="4376737"/>
-          </a:xfrm>
-          <a:prstGeom prst="rect">
-            <a:avLst/>
-          </a:prstGeom>
-          <a:noFill/>
-          <a:ln>
-            <a:noFill/>
-          </a:ln>
-        </p:spPr>
-      </p:pic>
-      <p:pic>
-        <p:nvPicPr>
-          <p:cNvPr id="5" name="Picture 4">
-            <a:extLst>
-              <a:ext uri="{FF2B5EF4-FFF2-40B4-BE49-F238E27FC236}">
-                <a16:creationId xmlns:a16="http://schemas.microsoft.com/office/drawing/2014/main" id="{DDB2D3FF-9996-4C5E-A563-3F03873ECC85}"/>
-              </a:ext>
-            </a:extLst>
-          </p:cNvPr>
-          <p:cNvPicPr/>
-          <p:nvPr/>
-        </p:nvPicPr>
-        <p:blipFill>
-          <a:blip r:embed="rId3" cstate="print">
-            <a:extLst>
-              <a:ext uri="{28A0092B-C50C-407E-A947-70E740481C1C}">
-                <a14:useLocalDpi xmlns:a14="http://schemas.microsoft.com/office/drawing/2010/main" val="0"/>
-              </a:ext>
-            </a:extLst>
-          </a:blip>
-          <a:srcRect/>
-          <a:stretch>
-            <a:fillRect/>
-          </a:stretch>
-        </p:blipFill>
-        <p:spPr bwMode="auto">
-          <a:xfrm>
-            <a:off x="6095168" y="1772004"/>
-            <a:ext cx="6000750" cy="4376737"/>
-          </a:xfrm>
-          <a:prstGeom prst="rect">
-            <a:avLst/>
-          </a:prstGeom>
-          <a:noFill/>
-          <a:ln>
-            <a:noFill/>
-          </a:ln>
-        </p:spPr>
-      </p:pic>
-      <p:sp>
-        <p:nvSpPr>
-          <p:cNvPr id="6" name="TextBox 5">
-            <a:extLst>
-              <a:ext uri="{FF2B5EF4-FFF2-40B4-BE49-F238E27FC236}">
-                <a16:creationId xmlns:a16="http://schemas.microsoft.com/office/drawing/2014/main" id="{FBBC0BCC-8FD9-439B-B2DD-997699836A7A}"/>
-              </a:ext>
-            </a:extLst>
-          </p:cNvPr>
-          <p:cNvSpPr txBox="1"/>
-          <p:nvPr/>
-        </p:nvSpPr>
-        <p:spPr>
-          <a:xfrm>
-            <a:off x="1072885" y="1402672"/>
-            <a:ext cx="4387548" cy="369332"/>
-          </a:xfrm>
-          <a:prstGeom prst="rect">
-            <a:avLst/>
-          </a:prstGeom>
-          <a:noFill/>
-        </p:spPr>
-        <p:txBody>
-          <a:bodyPr wrap="none" rtlCol="0">
-            <a:spAutoFit/>
-          </a:bodyPr>
-          <a:lstStyle/>
-          <a:p>
-            <a:r>
-              <a:rPr lang="en-US" dirty="0"/>
-              <a:t>Filtering: No window + observed information</a:t>
-            </a:r>
-          </a:p>
-        </p:txBody>
-      </p:sp>
-      <p:sp>
-        <p:nvSpPr>
-          <p:cNvPr id="7" name="TextBox 6">
-            <a:extLst>
-              <a:ext uri="{FF2B5EF4-FFF2-40B4-BE49-F238E27FC236}">
-                <a16:creationId xmlns:a16="http://schemas.microsoft.com/office/drawing/2014/main" id="{5F97B4D5-C9F9-4DD8-A181-074843D666F3}"/>
-              </a:ext>
-            </a:extLst>
-          </p:cNvPr>
-          <p:cNvSpPr txBox="1"/>
-          <p:nvPr/>
-        </p:nvSpPr>
-        <p:spPr>
-          <a:xfrm>
-            <a:off x="6496050" y="1402672"/>
-            <a:ext cx="4287584" cy="369332"/>
-          </a:xfrm>
-          <a:prstGeom prst="rect">
-            <a:avLst/>
-          </a:prstGeom>
-          <a:noFill/>
-        </p:spPr>
-        <p:txBody>
-          <a:bodyPr wrap="none" rtlCol="0">
-            <a:spAutoFit/>
-          </a:bodyPr>
-          <a:lstStyle/>
-          <a:p>
-            <a:r>
-              <a:rPr lang="en-US" dirty="0"/>
-              <a:t>smoothing: window + expected information</a:t>
-            </a:r>
-          </a:p>
-        </p:txBody>
-      </p:sp>
-    </p:spTree>
-    <p:extLst>
-      <p:ext uri="{BB962C8B-B14F-4D97-AF65-F5344CB8AC3E}">
-        <p14:creationId xmlns:p14="http://schemas.microsoft.com/office/powerpoint/2010/main" val="3525212500"/>
-      </p:ext>
-    </p:extLst>
-  </p:cSld>
-  <p:clrMapOvr>
-    <a:masterClrMapping/>
-  </p:clrMapOvr>
-</p:sld>
-</file>
-
 <file path=ppt/slides/slide6.xml><?xml version="1.0" encoding="utf-8"?>
 <p:sld xmlns:a="http://schemas.openxmlformats.org/drawingml/2006/main" xmlns:r="http://schemas.openxmlformats.org/officeDocument/2006/relationships" xmlns:p="http://schemas.openxmlformats.org/presentationml/2006/main">
   <p:cSld>
@@ -7154,7 +7736,7 @@
           <p:cNvPr id="2" name="Title 1">
             <a:extLst>
               <a:ext uri="{FF2B5EF4-FFF2-40B4-BE49-F238E27FC236}">
-                <a16:creationId xmlns:a16="http://schemas.microsoft.com/office/drawing/2014/main" id="{DA4EA114-0F60-4C31-A9DB-174085DCFF48}"/>
+                <a16:creationId xmlns:a16="http://schemas.microsoft.com/office/drawing/2014/main" id="{326ED190-CFBE-49FF-B486-8D195C1B2B99}"/>
               </a:ext>
             </a:extLst>
           </p:cNvPr>
@@ -7171,13 +7753,14 @@
           <a:lstStyle/>
           <a:p>
             <a:r>
-              <a:rPr lang="en-US"/>
-              <a:t>Application: </a:t>
+              <a:rPr lang="en-US" dirty="0"/>
+              <a:t>Simulation</a:t>
             </a:r>
-            <a:r>
-              <a:rPr lang="en-US" dirty="0"/>
-              <a:t>revisit V1 data</a:t>
-            </a:r>
+            <a:endParaRPr lang="en-US" b="1" dirty="0">
+              <a:highlight>
+                <a:srgbClr val="FFFF00"/>
+              </a:highlight>
+            </a:endParaRPr>
           </a:p>
         </p:txBody>
       </p:sp>
@@ -7186,7 +7769,114 @@
           <p:cNvPr id="5" name="Picture 4">
             <a:extLst>
               <a:ext uri="{FF2B5EF4-FFF2-40B4-BE49-F238E27FC236}">
-                <a16:creationId xmlns:a16="http://schemas.microsoft.com/office/drawing/2014/main" id="{6D70ACEC-6423-4F6C-980E-E3835839BC0B}"/>
+                <a16:creationId xmlns:a16="http://schemas.microsoft.com/office/drawing/2014/main" id="{DDB2D3FF-9996-4C5E-A563-3F03873ECC85}"/>
+              </a:ext>
+            </a:extLst>
+          </p:cNvPr>
+          <p:cNvPicPr/>
+          <p:nvPr/>
+        </p:nvPicPr>
+        <p:blipFill rotWithShape="1">
+          <a:blip r:embed="rId2" cstate="print">
+            <a:extLst>
+              <a:ext uri="{28A0092B-C50C-407E-A947-70E740481C1C}">
+                <a14:useLocalDpi xmlns:a14="http://schemas.microsoft.com/office/drawing/2010/main" val="0"/>
+              </a:ext>
+            </a:extLst>
+          </a:blip>
+          <a:srcRect l="78131" t="6357" r="3121" b="80258"/>
+          <a:stretch/>
+        </p:blipFill>
+        <p:spPr bwMode="auto">
+          <a:xfrm>
+            <a:off x="10608300" y="1951112"/>
+            <a:ext cx="1491000" cy="776367"/>
+          </a:xfrm>
+          <a:prstGeom prst="rect">
+            <a:avLst/>
+          </a:prstGeom>
+          <a:noFill/>
+          <a:ln>
+            <a:noFill/>
+          </a:ln>
+        </p:spPr>
+      </p:pic>
+      <p:sp>
+        <p:nvSpPr>
+          <p:cNvPr id="6" name="TextBox 5">
+            <a:extLst>
+              <a:ext uri="{FF2B5EF4-FFF2-40B4-BE49-F238E27FC236}">
+                <a16:creationId xmlns:a16="http://schemas.microsoft.com/office/drawing/2014/main" id="{FBBC0BCC-8FD9-439B-B2DD-997699836A7A}"/>
+              </a:ext>
+            </a:extLst>
+          </p:cNvPr>
+          <p:cNvSpPr txBox="1"/>
+          <p:nvPr/>
+        </p:nvSpPr>
+        <p:spPr>
+          <a:xfrm>
+            <a:off x="1457349" y="1402672"/>
+            <a:ext cx="3546868" cy="369332"/>
+          </a:xfrm>
+          <a:prstGeom prst="rect">
+            <a:avLst/>
+          </a:prstGeom>
+          <a:noFill/>
+        </p:spPr>
+        <p:txBody>
+          <a:bodyPr wrap="none" rtlCol="0">
+            <a:spAutoFit/>
+          </a:bodyPr>
+          <a:lstStyle/>
+          <a:p>
+            <a:r>
+              <a:rPr lang="en-US" dirty="0"/>
+              <a:t>Observed information + No Window</a:t>
+            </a:r>
+          </a:p>
+        </p:txBody>
+      </p:sp>
+      <p:sp>
+        <p:nvSpPr>
+          <p:cNvPr id="7" name="TextBox 6">
+            <a:extLst>
+              <a:ext uri="{FF2B5EF4-FFF2-40B4-BE49-F238E27FC236}">
+                <a16:creationId xmlns:a16="http://schemas.microsoft.com/office/drawing/2014/main" id="{5F97B4D5-C9F9-4DD8-A181-074843D666F3}"/>
+              </a:ext>
+            </a:extLst>
+          </p:cNvPr>
+          <p:cNvSpPr txBox="1"/>
+          <p:nvPr/>
+        </p:nvSpPr>
+        <p:spPr>
+          <a:xfrm>
+            <a:off x="6310837" y="1402672"/>
+            <a:ext cx="4174412" cy="369332"/>
+          </a:xfrm>
+          <a:prstGeom prst="rect">
+            <a:avLst/>
+          </a:prstGeom>
+          <a:noFill/>
+        </p:spPr>
+        <p:txBody>
+          <a:bodyPr wrap="none" rtlCol="0">
+            <a:spAutoFit/>
+          </a:bodyPr>
+          <a:lstStyle/>
+          <a:p>
+            <a:r>
+              <a:rPr lang="en-US" dirty="0"/>
+              <a:t>Expected Information (“Fisher”) + Window</a:t>
+            </a:r>
+          </a:p>
+        </p:txBody>
+      </p:sp>
+      <p:pic>
+        <p:nvPicPr>
+          <p:cNvPr id="8" name="Picture 7">
+            <a:extLst>
+              <a:ext uri="{FF2B5EF4-FFF2-40B4-BE49-F238E27FC236}">
+                <a16:creationId xmlns:a16="http://schemas.microsoft.com/office/drawing/2014/main" id="{2A53AF01-DD48-4A9D-9772-97630FCF9C97}"/>
               </a:ext>
             </a:extLst>
           </p:cNvPr>
@@ -7194,55 +7884,22 @@
           <p:nvPr/>
         </p:nvPicPr>
         <p:blipFill>
-          <a:blip r:embed="rId2" cstate="print">
+          <a:blip r:embed="rId3">
             <a:extLst>
               <a:ext uri="{28A0092B-C50C-407E-A947-70E740481C1C}">
                 <a14:useLocalDpi xmlns:a14="http://schemas.microsoft.com/office/drawing/2010/main" val="0"/>
               </a:ext>
             </a:extLst>
           </a:blip>
+          <a:srcRect/>
           <a:stretch>
             <a:fillRect/>
           </a:stretch>
         </p:blipFill>
         <p:spPr bwMode="auto">
           <a:xfrm>
-            <a:off x="0" y="1690688"/>
-            <a:ext cx="6402916" cy="4802187"/>
-          </a:xfrm>
-          <a:prstGeom prst="rect">
-            <a:avLst/>
-          </a:prstGeom>
-          <a:noFill/>
-        </p:spPr>
-      </p:pic>
-      <p:pic>
-        <p:nvPicPr>
-          <p:cNvPr id="6" name="Picture 5">
-            <a:extLst>
-              <a:ext uri="{FF2B5EF4-FFF2-40B4-BE49-F238E27FC236}">
-                <a16:creationId xmlns:a16="http://schemas.microsoft.com/office/drawing/2014/main" id="{DCDB07EE-E18E-43A2-8B39-1CB54155D567}"/>
-              </a:ext>
-            </a:extLst>
-          </p:cNvPr>
-          <p:cNvPicPr/>
-          <p:nvPr/>
-        </p:nvPicPr>
-        <p:blipFill rotWithShape="1">
-          <a:blip r:embed="rId3" cstate="print">
-            <a:extLst>
-              <a:ext uri="{28A0092B-C50C-407E-A947-70E740481C1C}">
-                <a14:useLocalDpi xmlns:a14="http://schemas.microsoft.com/office/drawing/2010/main" val="0"/>
-              </a:ext>
-            </a:extLst>
-          </a:blip>
-          <a:srcRect t="48251"/>
-          <a:stretch/>
-        </p:blipFill>
-        <p:spPr bwMode="auto">
-          <a:xfrm>
-            <a:off x="5739848" y="1218327"/>
-            <a:ext cx="4819650" cy="1915636"/>
+            <a:off x="601408" y="1690686"/>
+            <a:ext cx="5324475" cy="3990975"/>
           </a:xfrm>
           <a:prstGeom prst="rect">
             <a:avLst/>
@@ -7255,31 +7912,33 @@
       </p:pic>
       <p:pic>
         <p:nvPicPr>
-          <p:cNvPr id="7" name="Picture 6">
-            <a:extLst>
-              <a:ext uri="{FF2B5EF4-FFF2-40B4-BE49-F238E27FC236}">
-                <a16:creationId xmlns:a16="http://schemas.microsoft.com/office/drawing/2014/main" id="{8F7A2D70-623F-4986-A4CA-1366B0D58C7B}"/>
+          <p:cNvPr id="10" name="Picture 9">
+            <a:extLst>
+              <a:ext uri="{FF2B5EF4-FFF2-40B4-BE49-F238E27FC236}">
+                <a16:creationId xmlns:a16="http://schemas.microsoft.com/office/drawing/2014/main" id="{1461AA4A-624B-4618-B4A4-C6F2A12FFD06}"/>
               </a:ext>
             </a:extLst>
           </p:cNvPr>
           <p:cNvPicPr/>
           <p:nvPr/>
         </p:nvPicPr>
-        <p:blipFill rotWithShape="1">
-          <a:blip r:embed="rId4" cstate="print">
+        <p:blipFill>
+          <a:blip r:embed="rId4">
             <a:extLst>
               <a:ext uri="{28A0092B-C50C-407E-A947-70E740481C1C}">
                 <a14:useLocalDpi xmlns:a14="http://schemas.microsoft.com/office/drawing/2010/main" val="0"/>
               </a:ext>
             </a:extLst>
           </a:blip>
-          <a:srcRect b="49077"/>
-          <a:stretch/>
+          <a:srcRect/>
+          <a:stretch>
+            <a:fillRect/>
+          </a:stretch>
         </p:blipFill>
         <p:spPr bwMode="auto">
           <a:xfrm>
-            <a:off x="5739848" y="4701642"/>
-            <a:ext cx="4966252" cy="1901646"/>
+            <a:off x="5760076" y="1690686"/>
+            <a:ext cx="5324475" cy="3990975"/>
           </a:xfrm>
           <a:prstGeom prst="rect">
             <a:avLst/>
@@ -7290,49 +7949,282 @@
           </a:ln>
         </p:spPr>
       </p:pic>
+      <mc:AlternateContent xmlns:mc="http://schemas.openxmlformats.org/markup-compatibility/2006" xmlns:a14="http://schemas.microsoft.com/office/drawing/2010/main">
+        <mc:Choice Requires="a14">
+          <p:sp>
+            <p:nvSpPr>
+              <p:cNvPr id="3" name="TextBox 2">
+                <a:extLst>
+                  <a:ext uri="{FF2B5EF4-FFF2-40B4-BE49-F238E27FC236}">
+                    <a16:creationId xmlns:a16="http://schemas.microsoft.com/office/drawing/2014/main" id="{D592504F-E833-488F-85BE-C8DC55C6F347}"/>
+                  </a:ext>
+                </a:extLst>
+              </p:cNvPr>
+              <p:cNvSpPr txBox="1"/>
+              <p:nvPr/>
+            </p:nvSpPr>
+            <p:spPr>
+              <a:xfrm>
+                <a:off x="4426921" y="5681661"/>
+                <a:ext cx="3338158" cy="400110"/>
+              </a:xfrm>
+              <a:prstGeom prst="rect">
+                <a:avLst/>
+              </a:prstGeom>
+              <a:noFill/>
+            </p:spPr>
+            <p:txBody>
+              <a:bodyPr wrap="none" rtlCol="0">
+                <a:spAutoFit/>
+              </a:bodyPr>
+              <a:lstStyle/>
+              <a:p>
+                <a14:m>
+                  <m:oMath xmlns:m="http://schemas.openxmlformats.org/officeDocument/2006/math">
+                    <m:r>
+                      <a:rPr lang="en-US" sz="2000" b="0" i="1" smtClean="0">
+                        <a:latin typeface="Cambria Math" panose="02040503050406030204" pitchFamily="18" charset="0"/>
+                      </a:rPr>
+                      <m:t>𝑄</m:t>
+                    </m:r>
+                    <m:r>
+                      <a:rPr lang="en-US" sz="2000" b="0" i="1" smtClean="0">
+                        <a:latin typeface="Cambria Math" panose="02040503050406030204" pitchFamily="18" charset="0"/>
+                      </a:rPr>
+                      <m:t>=</m:t>
+                    </m:r>
+                    <m:sSup>
+                      <m:sSupPr>
+                        <m:ctrlPr>
+                          <a:rPr lang="en-US" sz="2000" b="0" i="1" smtClean="0">
+                            <a:latin typeface="Cambria Math" panose="02040503050406030204" pitchFamily="18" charset="0"/>
+                          </a:rPr>
+                        </m:ctrlPr>
+                      </m:sSupPr>
+                      <m:e>
+                        <m:r>
+                          <a:rPr lang="en-US" sz="2000" b="0" i="1" smtClean="0">
+                            <a:latin typeface="Cambria Math" panose="02040503050406030204" pitchFamily="18" charset="0"/>
+                          </a:rPr>
+                          <m:t>10</m:t>
+                        </m:r>
+                      </m:e>
+                      <m:sup>
+                        <m:r>
+                          <a:rPr lang="en-US" sz="2000" b="0" i="1" smtClean="0">
+                            <a:latin typeface="Cambria Math" panose="02040503050406030204" pitchFamily="18" charset="0"/>
+                          </a:rPr>
+                          <m:t>−3</m:t>
+                        </m:r>
+                      </m:sup>
+                    </m:sSup>
+                    <m:sSub>
+                      <m:sSubPr>
+                        <m:ctrlPr>
+                          <a:rPr lang="en-US" sz="2000" b="0" i="1" smtClean="0">
+                            <a:latin typeface="Cambria Math" panose="02040503050406030204" pitchFamily="18" charset="0"/>
+                          </a:rPr>
+                        </m:ctrlPr>
+                      </m:sSubPr>
+                      <m:e>
+                        <m:r>
+                          <a:rPr lang="en-US" sz="2000" b="0" i="1" smtClean="0">
+                            <a:latin typeface="Cambria Math" panose="02040503050406030204" pitchFamily="18" charset="0"/>
+                          </a:rPr>
+                          <m:t>𝐼</m:t>
+                        </m:r>
+                      </m:e>
+                      <m:sub>
+                        <m:r>
+                          <a:rPr lang="en-US" sz="2000" b="0" i="1" smtClean="0">
+                            <a:latin typeface="Cambria Math" panose="02040503050406030204" pitchFamily="18" charset="0"/>
+                          </a:rPr>
+                          <m:t>2</m:t>
+                        </m:r>
+                      </m:sub>
+                    </m:sSub>
+                  </m:oMath>
+                </a14:m>
+                <a:r>
+                  <a:rPr lang="en-US" sz="2000" dirty="0"/>
+                  <a:t>, window size = 50</a:t>
+                </a:r>
+              </a:p>
+            </p:txBody>
+          </p:sp>
+        </mc:Choice>
+        <mc:Fallback xmlns="">
+          <p:sp>
+            <p:nvSpPr>
+              <p:cNvPr id="3" name="TextBox 2">
+                <a:extLst>
+                  <a:ext uri="{FF2B5EF4-FFF2-40B4-BE49-F238E27FC236}">
+                    <a16:creationId xmlns:a16="http://schemas.microsoft.com/office/drawing/2014/main" id="{D592504F-E833-488F-85BE-C8DC55C6F347}"/>
+                  </a:ext>
+                </a:extLst>
+              </p:cNvPr>
+              <p:cNvSpPr txBox="1">
+                <a:spLocks noRot="1" noChangeAspect="1" noMove="1" noResize="1" noEditPoints="1" noAdjustHandles="1" noChangeArrowheads="1" noChangeShapeType="1" noTextEdit="1"/>
+              </p:cNvSpPr>
+              <p:nvPr/>
+            </p:nvSpPr>
+            <p:spPr>
+              <a:xfrm>
+                <a:off x="4426921" y="5681661"/>
+                <a:ext cx="3338158" cy="400110"/>
+              </a:xfrm>
+              <a:prstGeom prst="rect">
+                <a:avLst/>
+              </a:prstGeom>
+              <a:blipFill>
+                <a:blip r:embed="rId5"/>
+                <a:stretch>
+                  <a:fillRect l="-547" t="-7576" r="-1095" b="-25758"/>
+                </a:stretch>
+              </a:blipFill>
+            </p:spPr>
+            <p:txBody>
+              <a:bodyPr/>
+              <a:lstStyle/>
+              <a:p>
+                <a:r>
+                  <a:rPr lang="en-US">
+                    <a:noFill/>
+                  </a:rPr>
+                  <a:t> </a:t>
+                </a:r>
+              </a:p>
+            </p:txBody>
+          </p:sp>
+        </mc:Fallback>
+      </mc:AlternateContent>
+    </p:spTree>
+    <p:extLst>
+      <p:ext uri="{BB962C8B-B14F-4D97-AF65-F5344CB8AC3E}">
+        <p14:creationId xmlns:p14="http://schemas.microsoft.com/office/powerpoint/2010/main" val="3525212500"/>
+      </p:ext>
+    </p:extLst>
+  </p:cSld>
+  <p:clrMapOvr>
+    <a:masterClrMapping/>
+  </p:clrMapOvr>
+</p:sld>
+</file>
+
+<file path=ppt/slides/slide7.xml><?xml version="1.0" encoding="utf-8"?>
+<p:sld xmlns:a="http://schemas.openxmlformats.org/drawingml/2006/main" xmlns:r="http://schemas.openxmlformats.org/officeDocument/2006/relationships" xmlns:p="http://schemas.openxmlformats.org/presentationml/2006/main">
+  <p:cSld>
+    <p:spTree>
+      <p:nvGrpSpPr>
+        <p:cNvPr id="1" name=""/>
+        <p:cNvGrpSpPr/>
+        <p:nvPr/>
+      </p:nvGrpSpPr>
+      <p:grpSpPr>
+        <a:xfrm>
+          <a:off x="0" y="0"/>
+          <a:ext cx="0" cy="0"/>
+          <a:chOff x="0" y="0"/>
+          <a:chExt cx="0" cy="0"/>
+        </a:xfrm>
+      </p:grpSpPr>
+      <p:sp>
+        <p:nvSpPr>
+          <p:cNvPr id="2" name="Title 1">
+            <a:extLst>
+              <a:ext uri="{FF2B5EF4-FFF2-40B4-BE49-F238E27FC236}">
+                <a16:creationId xmlns:a16="http://schemas.microsoft.com/office/drawing/2014/main" id="{DA4EA114-0F60-4C31-A9DB-174085DCFF48}"/>
+              </a:ext>
+            </a:extLst>
+          </p:cNvPr>
+          <p:cNvSpPr>
+            <a:spLocks noGrp="1"/>
+          </p:cNvSpPr>
+          <p:nvPr>
+            <p:ph type="title"/>
+          </p:nvPr>
+        </p:nvSpPr>
+        <p:spPr/>
+        <p:txBody>
+          <a:bodyPr/>
+          <a:lstStyle/>
+          <a:p>
+            <a:r>
+              <a:rPr lang="en-US" dirty="0"/>
+              <a:t>Application: (1) V1 data; (2) “place cell” in hippocampus</a:t>
+            </a:r>
+          </a:p>
+        </p:txBody>
+      </p:sp>
       <p:pic>
         <p:nvPicPr>
-          <p:cNvPr id="8" name="Picture 7">
-            <a:extLst>
-              <a:ext uri="{FF2B5EF4-FFF2-40B4-BE49-F238E27FC236}">
-                <a16:creationId xmlns:a16="http://schemas.microsoft.com/office/drawing/2014/main" id="{EA24F4B0-DC39-42C7-BB1E-FFECAC563AF6}"/>
+          <p:cNvPr id="5" name="Picture 4">
+            <a:extLst>
+              <a:ext uri="{FF2B5EF4-FFF2-40B4-BE49-F238E27FC236}">
+                <a16:creationId xmlns:a16="http://schemas.microsoft.com/office/drawing/2014/main" id="{6D70ACEC-6423-4F6C-980E-E3835839BC0B}"/>
               </a:ext>
             </a:extLst>
           </p:cNvPr>
           <p:cNvPicPr/>
           <p:nvPr/>
         </p:nvPicPr>
-        <p:blipFill rotWithShape="1">
-          <a:blip r:embed="rId3" cstate="print">
+        <p:blipFill>
+          <a:blip r:embed="rId2" cstate="print">
             <a:extLst>
               <a:ext uri="{28A0092B-C50C-407E-A947-70E740481C1C}">
                 <a14:useLocalDpi xmlns:a14="http://schemas.microsoft.com/office/drawing/2010/main" val="0"/>
               </a:ext>
             </a:extLst>
           </a:blip>
-          <a:srcRect b="49012"/>
-          <a:stretch/>
+          <a:stretch>
+            <a:fillRect/>
+          </a:stretch>
         </p:blipFill>
         <p:spPr bwMode="auto">
           <a:xfrm>
-            <a:off x="5742747" y="2854881"/>
-            <a:ext cx="4816752" cy="1846761"/>
+            <a:off x="554893" y="1850392"/>
+            <a:ext cx="5541107" cy="3993196"/>
           </a:xfrm>
           <a:prstGeom prst="rect">
             <a:avLst/>
           </a:prstGeom>
           <a:noFill/>
-          <a:ln>
-            <a:noFill/>
-          </a:ln>
+        </p:spPr>
+      </p:pic>
+      <p:pic>
+        <p:nvPicPr>
+          <p:cNvPr id="12" name="Picture 11" descr="Graphical user interface&#10;&#10;Description automatically generated">
+            <a:extLst>
+              <a:ext uri="{FF2B5EF4-FFF2-40B4-BE49-F238E27FC236}">
+                <a16:creationId xmlns:a16="http://schemas.microsoft.com/office/drawing/2014/main" id="{86DD3BB9-E7F4-4E9F-9679-DAECA8817446}"/>
+              </a:ext>
+            </a:extLst>
+          </p:cNvPr>
+          <p:cNvPicPr/>
+          <p:nvPr/>
+        </p:nvPicPr>
+        <p:blipFill>
+          <a:blip r:embed="rId3"/>
+          <a:stretch>
+            <a:fillRect/>
+          </a:stretch>
+        </p:blipFill>
+        <p:spPr>
+          <a:xfrm>
+            <a:off x="6337948" y="1850391"/>
+            <a:ext cx="5299159" cy="4059542"/>
+          </a:xfrm>
+          <a:prstGeom prst="rect">
+            <a:avLst/>
+          </a:prstGeom>
         </p:spPr>
       </p:pic>
       <p:sp>
         <p:nvSpPr>
-          <p:cNvPr id="9" name="TextBox 8">
-            <a:extLst>
-              <a:ext uri="{FF2B5EF4-FFF2-40B4-BE49-F238E27FC236}">
-                <a16:creationId xmlns:a16="http://schemas.microsoft.com/office/drawing/2014/main" id="{2BE2254D-4025-4EFB-A319-C8F298BA6A65}"/>
+          <p:cNvPr id="3" name="TextBox 2">
+            <a:extLst>
+              <a:ext uri="{FF2B5EF4-FFF2-40B4-BE49-F238E27FC236}">
+                <a16:creationId xmlns:a16="http://schemas.microsoft.com/office/drawing/2014/main" id="{9D935EEB-F22D-4191-8BFC-D49E5D181FB0}"/>
               </a:ext>
             </a:extLst>
           </p:cNvPr>
@@ -7341,8 +8233,8 @@
         </p:nvSpPr>
         <p:spPr>
           <a:xfrm>
-            <a:off x="10448925" y="1876425"/>
-            <a:ext cx="1297406" cy="369332"/>
+            <a:off x="2634108" y="5909933"/>
+            <a:ext cx="1176476" cy="477054"/>
           </a:xfrm>
           <a:prstGeom prst="rect">
             <a:avLst/>
@@ -7356,18 +8248,18 @@
           <a:lstStyle/>
           <a:p>
             <a:r>
-              <a:rPr lang="en-US" dirty="0"/>
-              <a:t>observation</a:t>
+              <a:rPr lang="en-US" sz="2500" dirty="0"/>
+              <a:t>V1 data</a:t>
             </a:r>
           </a:p>
         </p:txBody>
       </p:sp>
       <p:sp>
         <p:nvSpPr>
-          <p:cNvPr id="10" name="TextBox 9">
-            <a:extLst>
-              <a:ext uri="{FF2B5EF4-FFF2-40B4-BE49-F238E27FC236}">
-                <a16:creationId xmlns:a16="http://schemas.microsoft.com/office/drawing/2014/main" id="{F23183C0-DBFB-46A5-98F0-DC951C47434B}"/>
+          <p:cNvPr id="13" name="TextBox 12">
+            <a:extLst>
+              <a:ext uri="{FF2B5EF4-FFF2-40B4-BE49-F238E27FC236}">
+                <a16:creationId xmlns:a16="http://schemas.microsoft.com/office/drawing/2014/main" id="{C2846BE3-CE8D-4D27-8376-48C594915704}"/>
               </a:ext>
             </a:extLst>
           </p:cNvPr>
@@ -7376,8 +8268,8 @@
         </p:nvSpPr>
         <p:spPr>
           <a:xfrm>
-            <a:off x="10448925" y="3409950"/>
-            <a:ext cx="1245854" cy="369332"/>
+            <a:off x="8140411" y="5963748"/>
+            <a:ext cx="1659429" cy="477054"/>
           </a:xfrm>
           <a:prstGeom prst="rect">
             <a:avLst/>
@@ -7391,43 +8283,8 @@
           <a:lstStyle/>
           <a:p>
             <a:r>
-              <a:rPr lang="en-US" dirty="0"/>
-              <a:t>Full sample</a:t>
-            </a:r>
-          </a:p>
-        </p:txBody>
-      </p:sp>
-      <p:sp>
-        <p:nvSpPr>
-          <p:cNvPr id="11" name="TextBox 10">
-            <a:extLst>
-              <a:ext uri="{FF2B5EF4-FFF2-40B4-BE49-F238E27FC236}">
-                <a16:creationId xmlns:a16="http://schemas.microsoft.com/office/drawing/2014/main" id="{45F1B15B-BC35-4EFC-A6B3-FC0E7ACFC9EB}"/>
-              </a:ext>
-            </a:extLst>
-          </p:cNvPr>
-          <p:cNvSpPr txBox="1"/>
-          <p:nvPr/>
-        </p:nvSpPr>
-        <p:spPr>
-          <a:xfrm>
-            <a:off x="10559498" y="5310766"/>
-            <a:ext cx="1306768" cy="369332"/>
-          </a:xfrm>
-          <a:prstGeom prst="rect">
-            <a:avLst/>
-          </a:prstGeom>
-          <a:noFill/>
-        </p:spPr>
-        <p:txBody>
-          <a:bodyPr wrap="none" rtlCol="0">
-            <a:spAutoFit/>
-          </a:bodyPr>
-          <a:lstStyle/>
-          <a:p>
-            <a:r>
-              <a:rPr lang="en-US" dirty="0"/>
-              <a:t>Half Sample</a:t>
+              <a:rPr lang="en-US" sz="2500" dirty="0"/>
+              <a:t>“Place cell”</a:t>
             </a:r>
           </a:p>
         </p:txBody>

--- a/documents/JSM_2021/4min_version.pptx
+++ b/documents/JSM_2021/4min_version.pptx
@@ -265,7 +265,7 @@
           <a:p>
             <a:fld id="{1FD15BE6-D28F-4CB9-886B-8E7E78239579}" type="datetimeFigureOut">
               <a:rPr lang="en-US" smtClean="0"/>
-              <a:t>7/28/2021</a:t>
+              <a:t>8/10/2021</a:t>
             </a:fld>
             <a:endParaRPr lang="en-US"/>
           </a:p>
@@ -463,7 +463,7 @@
           <a:p>
             <a:fld id="{1FD15BE6-D28F-4CB9-886B-8E7E78239579}" type="datetimeFigureOut">
               <a:rPr lang="en-US" smtClean="0"/>
-              <a:t>7/28/2021</a:t>
+              <a:t>8/10/2021</a:t>
             </a:fld>
             <a:endParaRPr lang="en-US"/>
           </a:p>
@@ -671,7 +671,7 @@
           <a:p>
             <a:fld id="{1FD15BE6-D28F-4CB9-886B-8E7E78239579}" type="datetimeFigureOut">
               <a:rPr lang="en-US" smtClean="0"/>
-              <a:t>7/28/2021</a:t>
+              <a:t>8/10/2021</a:t>
             </a:fld>
             <a:endParaRPr lang="en-US"/>
           </a:p>
@@ -869,7 +869,7 @@
           <a:p>
             <a:fld id="{1FD15BE6-D28F-4CB9-886B-8E7E78239579}" type="datetimeFigureOut">
               <a:rPr lang="en-US" smtClean="0"/>
-              <a:t>7/28/2021</a:t>
+              <a:t>8/10/2021</a:t>
             </a:fld>
             <a:endParaRPr lang="en-US"/>
           </a:p>
@@ -1144,7 +1144,7 @@
           <a:p>
             <a:fld id="{1FD15BE6-D28F-4CB9-886B-8E7E78239579}" type="datetimeFigureOut">
               <a:rPr lang="en-US" smtClean="0"/>
-              <a:t>7/28/2021</a:t>
+              <a:t>8/10/2021</a:t>
             </a:fld>
             <a:endParaRPr lang="en-US"/>
           </a:p>
@@ -1409,7 +1409,7 @@
           <a:p>
             <a:fld id="{1FD15BE6-D28F-4CB9-886B-8E7E78239579}" type="datetimeFigureOut">
               <a:rPr lang="en-US" smtClean="0"/>
-              <a:t>7/28/2021</a:t>
+              <a:t>8/10/2021</a:t>
             </a:fld>
             <a:endParaRPr lang="en-US"/>
           </a:p>
@@ -1821,7 +1821,7 @@
           <a:p>
             <a:fld id="{1FD15BE6-D28F-4CB9-886B-8E7E78239579}" type="datetimeFigureOut">
               <a:rPr lang="en-US" smtClean="0"/>
-              <a:t>7/28/2021</a:t>
+              <a:t>8/10/2021</a:t>
             </a:fld>
             <a:endParaRPr lang="en-US"/>
           </a:p>
@@ -1962,7 +1962,7 @@
           <a:p>
             <a:fld id="{1FD15BE6-D28F-4CB9-886B-8E7E78239579}" type="datetimeFigureOut">
               <a:rPr lang="en-US" smtClean="0"/>
-              <a:t>7/28/2021</a:t>
+              <a:t>8/10/2021</a:t>
             </a:fld>
             <a:endParaRPr lang="en-US"/>
           </a:p>
@@ -2075,7 +2075,7 @@
           <a:p>
             <a:fld id="{1FD15BE6-D28F-4CB9-886B-8E7E78239579}" type="datetimeFigureOut">
               <a:rPr lang="en-US" smtClean="0"/>
-              <a:t>7/28/2021</a:t>
+              <a:t>8/10/2021</a:t>
             </a:fld>
             <a:endParaRPr lang="en-US"/>
           </a:p>
@@ -2386,7 +2386,7 @@
           <a:p>
             <a:fld id="{1FD15BE6-D28F-4CB9-886B-8E7E78239579}" type="datetimeFigureOut">
               <a:rPr lang="en-US" smtClean="0"/>
-              <a:t>7/28/2021</a:t>
+              <a:t>8/10/2021</a:t>
             </a:fld>
             <a:endParaRPr lang="en-US"/>
           </a:p>
@@ -2674,7 +2674,7 @@
           <a:p>
             <a:fld id="{1FD15BE6-D28F-4CB9-886B-8E7E78239579}" type="datetimeFigureOut">
               <a:rPr lang="en-US" smtClean="0"/>
-              <a:t>7/28/2021</a:t>
+              <a:t>8/10/2021</a:t>
             </a:fld>
             <a:endParaRPr lang="en-US"/>
           </a:p>
@@ -2915,7 +2915,7 @@
           <a:p>
             <a:fld id="{1FD15BE6-D28F-4CB9-886B-8E7E78239579}" type="datetimeFigureOut">
               <a:rPr lang="en-US" smtClean="0"/>
-              <a:t>7/28/2021</a:t>
+              <a:t>8/10/2021</a:t>
             </a:fld>
             <a:endParaRPr lang="en-US"/>
           </a:p>
@@ -3845,8 +3845,8 @@
           </a:extLst>
         </p:spPr>
       </p:pic>
-      <mc:AlternateContent xmlns:mc="http://schemas.openxmlformats.org/markup-compatibility/2006">
-        <mc:Choice xmlns:a14="http://schemas.microsoft.com/office/drawing/2010/main" Requires="a14">
+      <mc:AlternateContent xmlns:mc="http://schemas.openxmlformats.org/markup-compatibility/2006" xmlns:a14="http://schemas.microsoft.com/office/drawing/2010/main">
+        <mc:Choice Requires="a14">
           <p:sp>
             <p:nvSpPr>
               <p:cNvPr id="6" name="TextBox 5">
@@ -4060,7 +4060,7 @@
             </p:txBody>
           </p:sp>
         </mc:Choice>
-        <mc:Fallback>
+        <mc:Fallback xmlns="">
           <p:sp>
             <p:nvSpPr>
               <p:cNvPr id="6" name="TextBox 5">
@@ -5799,7 +5799,7 @@
               <a:p>
                 <a:r>
                   <a:rPr lang="en-US" dirty="0"/>
-                  <a:t>Approximate the posterior by normal distribution (Laplace approximation) </a:t>
+                  <a:t>Approximate the posterior by normal distribution (at recursive prior)</a:t>
                 </a:r>
               </a:p>
               <a:p>
@@ -6088,16 +6088,7 @@
                             </a:solidFill>
                             <a:latin typeface="Cambria Math" panose="02040503050406030204" pitchFamily="18" charset="0"/>
                           </a:rPr>
-                          <m:t>𝑘</m:t>
-                        </m:r>
-                        <m:r>
-                          <a:rPr lang="en-US" i="1">
-                            <a:solidFill>
-                              <a:prstClr val="black"/>
-                            </a:solidFill>
-                            <a:latin typeface="Cambria Math" panose="02040503050406030204" pitchFamily="18" charset="0"/>
-                          </a:rPr>
-                          <m:t>𝑖</m:t>
+                          <m:t>𝑘𝑖</m:t>
                         </m:r>
                       </m:sub>
                     </m:sSub>
@@ -6215,16 +6206,7 @@
                                     </a:solidFill>
                                     <a:latin typeface="Cambria Math" panose="02040503050406030204" pitchFamily="18" charset="0"/>
                                   </a:rPr>
-                                  <m:t>𝑘</m:t>
-                                </m:r>
-                                <m:r>
-                                  <a:rPr lang="en-US" i="1">
-                                    <a:solidFill>
-                                      <a:prstClr val="black"/>
-                                    </a:solidFill>
-                                    <a:latin typeface="Cambria Math" panose="02040503050406030204" pitchFamily="18" charset="0"/>
-                                  </a:rPr>
-                                  <m:t>𝑖</m:t>
+                                  <m:t>𝑘𝑖</m:t>
                                 </m:r>
                                 <m:r>
                                   <a:rPr lang="en-US" i="1">
@@ -6280,16 +6262,7 @@
                             </a:solidFill>
                             <a:latin typeface="Cambria Math" panose="02040503050406030204" pitchFamily="18" charset="0"/>
                           </a:rPr>
-                          <m:t>𝑘</m:t>
-                        </m:r>
-                        <m:r>
-                          <a:rPr lang="en-US" i="1">
-                            <a:solidFill>
-                              <a:prstClr val="black"/>
-                            </a:solidFill>
-                            <a:latin typeface="Cambria Math" panose="02040503050406030204" pitchFamily="18" charset="0"/>
-                          </a:rPr>
-                          <m:t>𝑖</m:t>
+                          <m:t>𝑘𝑖</m:t>
                         </m:r>
                       </m:sub>
                     </m:sSub>
